--- a/docs/phase4 images.pptx
+++ b/docs/phase4 images.pptx
@@ -9,13 +9,14 @@
     <p:sldId id="266" r:id="rId3"/>
     <p:sldId id="257" r:id="rId4"/>
     <p:sldId id="258" r:id="rId5"/>
-    <p:sldId id="259" r:id="rId6"/>
-    <p:sldId id="260" r:id="rId7"/>
-    <p:sldId id="261" r:id="rId8"/>
-    <p:sldId id="262" r:id="rId9"/>
-    <p:sldId id="263" r:id="rId10"/>
-    <p:sldId id="264" r:id="rId11"/>
-    <p:sldId id="265" r:id="rId12"/>
+    <p:sldId id="267" r:id="rId6"/>
+    <p:sldId id="259" r:id="rId7"/>
+    <p:sldId id="260" r:id="rId8"/>
+    <p:sldId id="261" r:id="rId9"/>
+    <p:sldId id="262" r:id="rId10"/>
+    <p:sldId id="263" r:id="rId11"/>
+    <p:sldId id="264" r:id="rId12"/>
+    <p:sldId id="265" r:id="rId13"/>
   </p:sldIdLst>
   <p:sldSz cx="9144000" cy="6858000" type="screen4x3"/>
   <p:notesSz cx="6858000" cy="9144000"/>
@@ -116,7 +117,7 @@
   </p:defaultTextStyle>
   <p:extLst>
     <p:ext uri="{EFAFB233-063F-42B5-8137-9DF3F51BA10A}">
-      <p15:sldGuideLst xmlns:p15="http://schemas.microsoft.com/office/powerpoint/2012/main" xmlns="">
+      <p15:sldGuideLst xmlns:p15="http://schemas.microsoft.com/office/powerpoint/2012/main">
         <p15:guide id="1" orient="horz" pos="2160">
           <p15:clr>
             <a:srgbClr val="A4A3A4"/>
@@ -171,7 +172,7 @@
           <a:lstStyle/>
           <a:p>
             <a:r>
-              <a:rPr lang="de-DE" smtClean="0"/>
+              <a:rPr lang="de-DE"/>
               <a:t>Titelmasterformat durch Klicken bearbeiten</a:t>
             </a:r>
             <a:endParaRPr lang="de-AT"/>
@@ -290,7 +291,7 @@
           </a:lstStyle>
           <a:p>
             <a:r>
-              <a:rPr lang="de-DE" smtClean="0"/>
+              <a:rPr lang="de-DE"/>
               <a:t>Formatvorlage des Untertitelmasters durch Klicken bearbeiten</a:t>
             </a:r>
             <a:endParaRPr lang="de-AT"/>
@@ -315,7 +316,7 @@
             <a:fld id="{10CFD44E-5975-4AC9-9C1D-CD371CB5D6EF}" type="datetimeFigureOut">
               <a:rPr lang="de-AT" smtClean="0"/>
               <a:pPr/>
-              <a:t>24.04.2017</a:t>
+              <a:t>27.10.25</a:t>
             </a:fld>
             <a:endParaRPr lang="de-AT"/>
           </a:p>
@@ -405,7 +406,7 @@
           <a:lstStyle/>
           <a:p>
             <a:r>
-              <a:rPr lang="de-DE" smtClean="0"/>
+              <a:rPr lang="de-DE"/>
               <a:t>Titelmasterformat durch Klicken bearbeiten</a:t>
             </a:r>
             <a:endParaRPr lang="de-AT"/>
@@ -429,35 +430,35 @@
           <a:p>
             <a:pPr lvl="0"/>
             <a:r>
-              <a:rPr lang="de-DE" smtClean="0"/>
+              <a:rPr lang="de-DE"/>
               <a:t>Textmasterformate durch Klicken bearbeiten</a:t>
             </a:r>
           </a:p>
           <a:p>
             <a:pPr lvl="1"/>
             <a:r>
-              <a:rPr lang="de-DE" smtClean="0"/>
+              <a:rPr lang="de-DE"/>
               <a:t>Zweite Ebene</a:t>
             </a:r>
           </a:p>
           <a:p>
             <a:pPr lvl="2"/>
             <a:r>
-              <a:rPr lang="de-DE" smtClean="0"/>
+              <a:rPr lang="de-DE"/>
               <a:t>Dritte Ebene</a:t>
             </a:r>
           </a:p>
           <a:p>
             <a:pPr lvl="3"/>
             <a:r>
-              <a:rPr lang="de-DE" smtClean="0"/>
+              <a:rPr lang="de-DE"/>
               <a:t>Vierte Ebene</a:t>
             </a:r>
           </a:p>
           <a:p>
             <a:pPr lvl="4"/>
             <a:r>
-              <a:rPr lang="de-DE" smtClean="0"/>
+              <a:rPr lang="de-DE"/>
               <a:t>Fünfte Ebene</a:t>
             </a:r>
             <a:endParaRPr lang="de-AT"/>
@@ -482,7 +483,7 @@
             <a:fld id="{10CFD44E-5975-4AC9-9C1D-CD371CB5D6EF}" type="datetimeFigureOut">
               <a:rPr lang="de-AT" smtClean="0"/>
               <a:pPr/>
-              <a:t>24.04.2017</a:t>
+              <a:t>27.10.25</a:t>
             </a:fld>
             <a:endParaRPr lang="de-AT"/>
           </a:p>
@@ -577,7 +578,7 @@
           <a:lstStyle/>
           <a:p>
             <a:r>
-              <a:rPr lang="de-DE" smtClean="0"/>
+              <a:rPr lang="de-DE"/>
               <a:t>Titelmasterformat durch Klicken bearbeiten</a:t>
             </a:r>
             <a:endParaRPr lang="de-AT"/>
@@ -606,35 +607,35 @@
           <a:p>
             <a:pPr lvl="0"/>
             <a:r>
-              <a:rPr lang="de-DE" smtClean="0"/>
+              <a:rPr lang="de-DE"/>
               <a:t>Textmasterformate durch Klicken bearbeiten</a:t>
             </a:r>
           </a:p>
           <a:p>
             <a:pPr lvl="1"/>
             <a:r>
-              <a:rPr lang="de-DE" smtClean="0"/>
+              <a:rPr lang="de-DE"/>
               <a:t>Zweite Ebene</a:t>
             </a:r>
           </a:p>
           <a:p>
             <a:pPr lvl="2"/>
             <a:r>
-              <a:rPr lang="de-DE" smtClean="0"/>
+              <a:rPr lang="de-DE"/>
               <a:t>Dritte Ebene</a:t>
             </a:r>
           </a:p>
           <a:p>
             <a:pPr lvl="3"/>
             <a:r>
-              <a:rPr lang="de-DE" smtClean="0"/>
+              <a:rPr lang="de-DE"/>
               <a:t>Vierte Ebene</a:t>
             </a:r>
           </a:p>
           <a:p>
             <a:pPr lvl="4"/>
             <a:r>
-              <a:rPr lang="de-DE" smtClean="0"/>
+              <a:rPr lang="de-DE"/>
               <a:t>Fünfte Ebene</a:t>
             </a:r>
             <a:endParaRPr lang="de-AT"/>
@@ -659,7 +660,7 @@
             <a:fld id="{10CFD44E-5975-4AC9-9C1D-CD371CB5D6EF}" type="datetimeFigureOut">
               <a:rPr lang="de-AT" smtClean="0"/>
               <a:pPr/>
-              <a:t>24.04.2017</a:t>
+              <a:t>27.10.25</a:t>
             </a:fld>
             <a:endParaRPr lang="de-AT"/>
           </a:p>
@@ -749,7 +750,7 @@
           <a:lstStyle/>
           <a:p>
             <a:r>
-              <a:rPr lang="de-DE" smtClean="0"/>
+              <a:rPr lang="de-DE"/>
               <a:t>Titelmasterformat durch Klicken bearbeiten</a:t>
             </a:r>
             <a:endParaRPr lang="de-AT"/>
@@ -773,35 +774,35 @@
           <a:p>
             <a:pPr lvl="0"/>
             <a:r>
-              <a:rPr lang="de-DE" smtClean="0"/>
+              <a:rPr lang="de-DE"/>
               <a:t>Textmasterformate durch Klicken bearbeiten</a:t>
             </a:r>
           </a:p>
           <a:p>
             <a:pPr lvl="1"/>
             <a:r>
-              <a:rPr lang="de-DE" smtClean="0"/>
+              <a:rPr lang="de-DE"/>
               <a:t>Zweite Ebene</a:t>
             </a:r>
           </a:p>
           <a:p>
             <a:pPr lvl="2"/>
             <a:r>
-              <a:rPr lang="de-DE" smtClean="0"/>
+              <a:rPr lang="de-DE"/>
               <a:t>Dritte Ebene</a:t>
             </a:r>
           </a:p>
           <a:p>
             <a:pPr lvl="3"/>
             <a:r>
-              <a:rPr lang="de-DE" smtClean="0"/>
+              <a:rPr lang="de-DE"/>
               <a:t>Vierte Ebene</a:t>
             </a:r>
           </a:p>
           <a:p>
             <a:pPr lvl="4"/>
             <a:r>
-              <a:rPr lang="de-DE" smtClean="0"/>
+              <a:rPr lang="de-DE"/>
               <a:t>Fünfte Ebene</a:t>
             </a:r>
             <a:endParaRPr lang="de-AT"/>
@@ -826,7 +827,7 @@
             <a:fld id="{10CFD44E-5975-4AC9-9C1D-CD371CB5D6EF}" type="datetimeFigureOut">
               <a:rPr lang="de-AT" smtClean="0"/>
               <a:pPr/>
-              <a:t>24.04.2017</a:t>
+              <a:t>27.10.25</a:t>
             </a:fld>
             <a:endParaRPr lang="de-AT"/>
           </a:p>
@@ -925,7 +926,7 @@
           </a:lstStyle>
           <a:p>
             <a:r>
-              <a:rPr lang="de-DE" smtClean="0"/>
+              <a:rPr lang="de-DE"/>
               <a:t>Titelmasterformat durch Klicken bearbeiten</a:t>
             </a:r>
             <a:endParaRPr lang="de-AT"/>
@@ -1045,7 +1046,7 @@
           <a:p>
             <a:pPr lvl="0"/>
             <a:r>
-              <a:rPr lang="de-DE" smtClean="0"/>
+              <a:rPr lang="de-DE"/>
               <a:t>Textmasterformate durch Klicken bearbeiten</a:t>
             </a:r>
           </a:p>
@@ -1069,7 +1070,7 @@
             <a:fld id="{10CFD44E-5975-4AC9-9C1D-CD371CB5D6EF}" type="datetimeFigureOut">
               <a:rPr lang="de-AT" smtClean="0"/>
               <a:pPr/>
-              <a:t>24.04.2017</a:t>
+              <a:t>27.10.25</a:t>
             </a:fld>
             <a:endParaRPr lang="de-AT"/>
           </a:p>
@@ -1159,7 +1160,7 @@
           <a:lstStyle/>
           <a:p>
             <a:r>
-              <a:rPr lang="de-DE" smtClean="0"/>
+              <a:rPr lang="de-DE"/>
               <a:t>Titelmasterformat durch Klicken bearbeiten</a:t>
             </a:r>
             <a:endParaRPr lang="de-AT"/>
@@ -1216,35 +1217,35 @@
           <a:p>
             <a:pPr lvl="0"/>
             <a:r>
-              <a:rPr lang="de-DE" smtClean="0"/>
+              <a:rPr lang="de-DE"/>
               <a:t>Textmasterformate durch Klicken bearbeiten</a:t>
             </a:r>
           </a:p>
           <a:p>
             <a:pPr lvl="1"/>
             <a:r>
-              <a:rPr lang="de-DE" smtClean="0"/>
+              <a:rPr lang="de-DE"/>
               <a:t>Zweite Ebene</a:t>
             </a:r>
           </a:p>
           <a:p>
             <a:pPr lvl="2"/>
             <a:r>
-              <a:rPr lang="de-DE" smtClean="0"/>
+              <a:rPr lang="de-DE"/>
               <a:t>Dritte Ebene</a:t>
             </a:r>
           </a:p>
           <a:p>
             <a:pPr lvl="3"/>
             <a:r>
-              <a:rPr lang="de-DE" smtClean="0"/>
+              <a:rPr lang="de-DE"/>
               <a:t>Vierte Ebene</a:t>
             </a:r>
           </a:p>
           <a:p>
             <a:pPr lvl="4"/>
             <a:r>
-              <a:rPr lang="de-DE" smtClean="0"/>
+              <a:rPr lang="de-DE"/>
               <a:t>Fünfte Ebene</a:t>
             </a:r>
             <a:endParaRPr lang="de-AT"/>
@@ -1301,35 +1302,35 @@
           <a:p>
             <a:pPr lvl="0"/>
             <a:r>
-              <a:rPr lang="de-DE" smtClean="0"/>
+              <a:rPr lang="de-DE"/>
               <a:t>Textmasterformate durch Klicken bearbeiten</a:t>
             </a:r>
           </a:p>
           <a:p>
             <a:pPr lvl="1"/>
             <a:r>
-              <a:rPr lang="de-DE" smtClean="0"/>
+              <a:rPr lang="de-DE"/>
               <a:t>Zweite Ebene</a:t>
             </a:r>
           </a:p>
           <a:p>
             <a:pPr lvl="2"/>
             <a:r>
-              <a:rPr lang="de-DE" smtClean="0"/>
+              <a:rPr lang="de-DE"/>
               <a:t>Dritte Ebene</a:t>
             </a:r>
           </a:p>
           <a:p>
             <a:pPr lvl="3"/>
             <a:r>
-              <a:rPr lang="de-DE" smtClean="0"/>
+              <a:rPr lang="de-DE"/>
               <a:t>Vierte Ebene</a:t>
             </a:r>
           </a:p>
           <a:p>
             <a:pPr lvl="4"/>
             <a:r>
-              <a:rPr lang="de-DE" smtClean="0"/>
+              <a:rPr lang="de-DE"/>
               <a:t>Fünfte Ebene</a:t>
             </a:r>
             <a:endParaRPr lang="de-AT"/>
@@ -1354,7 +1355,7 @@
             <a:fld id="{10CFD44E-5975-4AC9-9C1D-CD371CB5D6EF}" type="datetimeFigureOut">
               <a:rPr lang="de-AT" smtClean="0"/>
               <a:pPr/>
-              <a:t>24.04.2017</a:t>
+              <a:t>27.10.25</a:t>
             </a:fld>
             <a:endParaRPr lang="de-AT"/>
           </a:p>
@@ -1448,7 +1449,7 @@
           </a:lstStyle>
           <a:p>
             <a:r>
-              <a:rPr lang="de-DE" smtClean="0"/>
+              <a:rPr lang="de-DE"/>
               <a:t>Titelmasterformat durch Klicken bearbeiten</a:t>
             </a:r>
             <a:endParaRPr lang="de-AT"/>
@@ -1514,7 +1515,7 @@
           <a:p>
             <a:pPr lvl="0"/>
             <a:r>
-              <a:rPr lang="de-DE" smtClean="0"/>
+              <a:rPr lang="de-DE"/>
               <a:t>Textmasterformate durch Klicken bearbeiten</a:t>
             </a:r>
           </a:p>
@@ -1570,35 +1571,35 @@
           <a:p>
             <a:pPr lvl="0"/>
             <a:r>
-              <a:rPr lang="de-DE" smtClean="0"/>
+              <a:rPr lang="de-DE"/>
               <a:t>Textmasterformate durch Klicken bearbeiten</a:t>
             </a:r>
           </a:p>
           <a:p>
             <a:pPr lvl="1"/>
             <a:r>
-              <a:rPr lang="de-DE" smtClean="0"/>
+              <a:rPr lang="de-DE"/>
               <a:t>Zweite Ebene</a:t>
             </a:r>
           </a:p>
           <a:p>
             <a:pPr lvl="2"/>
             <a:r>
-              <a:rPr lang="de-DE" smtClean="0"/>
+              <a:rPr lang="de-DE"/>
               <a:t>Dritte Ebene</a:t>
             </a:r>
           </a:p>
           <a:p>
             <a:pPr lvl="3"/>
             <a:r>
-              <a:rPr lang="de-DE" smtClean="0"/>
+              <a:rPr lang="de-DE"/>
               <a:t>Vierte Ebene</a:t>
             </a:r>
           </a:p>
           <a:p>
             <a:pPr lvl="4"/>
             <a:r>
-              <a:rPr lang="de-DE" smtClean="0"/>
+              <a:rPr lang="de-DE"/>
               <a:t>Fünfte Ebene</a:t>
             </a:r>
             <a:endParaRPr lang="de-AT"/>
@@ -1664,7 +1665,7 @@
           <a:p>
             <a:pPr lvl="0"/>
             <a:r>
-              <a:rPr lang="de-DE" smtClean="0"/>
+              <a:rPr lang="de-DE"/>
               <a:t>Textmasterformate durch Klicken bearbeiten</a:t>
             </a:r>
           </a:p>
@@ -1720,35 +1721,35 @@
           <a:p>
             <a:pPr lvl="0"/>
             <a:r>
-              <a:rPr lang="de-DE" smtClean="0"/>
+              <a:rPr lang="de-DE"/>
               <a:t>Textmasterformate durch Klicken bearbeiten</a:t>
             </a:r>
           </a:p>
           <a:p>
             <a:pPr lvl="1"/>
             <a:r>
-              <a:rPr lang="de-DE" smtClean="0"/>
+              <a:rPr lang="de-DE"/>
               <a:t>Zweite Ebene</a:t>
             </a:r>
           </a:p>
           <a:p>
             <a:pPr lvl="2"/>
             <a:r>
-              <a:rPr lang="de-DE" smtClean="0"/>
+              <a:rPr lang="de-DE"/>
               <a:t>Dritte Ebene</a:t>
             </a:r>
           </a:p>
           <a:p>
             <a:pPr lvl="3"/>
             <a:r>
-              <a:rPr lang="de-DE" smtClean="0"/>
+              <a:rPr lang="de-DE"/>
               <a:t>Vierte Ebene</a:t>
             </a:r>
           </a:p>
           <a:p>
             <a:pPr lvl="4"/>
             <a:r>
-              <a:rPr lang="de-DE" smtClean="0"/>
+              <a:rPr lang="de-DE"/>
               <a:t>Fünfte Ebene</a:t>
             </a:r>
             <a:endParaRPr lang="de-AT"/>
@@ -1773,7 +1774,7 @@
             <a:fld id="{10CFD44E-5975-4AC9-9C1D-CD371CB5D6EF}" type="datetimeFigureOut">
               <a:rPr lang="de-AT" smtClean="0"/>
               <a:pPr/>
-              <a:t>24.04.2017</a:t>
+              <a:t>27.10.25</a:t>
             </a:fld>
             <a:endParaRPr lang="de-AT"/>
           </a:p>
@@ -1863,7 +1864,7 @@
           <a:lstStyle/>
           <a:p>
             <a:r>
-              <a:rPr lang="de-DE" smtClean="0"/>
+              <a:rPr lang="de-DE"/>
               <a:t>Titelmasterformat durch Klicken bearbeiten</a:t>
             </a:r>
             <a:endParaRPr lang="de-AT"/>
@@ -1888,7 +1889,7 @@
             <a:fld id="{10CFD44E-5975-4AC9-9C1D-CD371CB5D6EF}" type="datetimeFigureOut">
               <a:rPr lang="de-AT" smtClean="0"/>
               <a:pPr/>
-              <a:t>24.04.2017</a:t>
+              <a:t>27.10.25</a:t>
             </a:fld>
             <a:endParaRPr lang="de-AT"/>
           </a:p>
@@ -1980,7 +1981,7 @@
             <a:fld id="{10CFD44E-5975-4AC9-9C1D-CD371CB5D6EF}" type="datetimeFigureOut">
               <a:rPr lang="de-AT" smtClean="0"/>
               <a:pPr/>
-              <a:t>24.04.2017</a:t>
+              <a:t>27.10.25</a:t>
             </a:fld>
             <a:endParaRPr lang="de-AT"/>
           </a:p>
@@ -2079,7 +2080,7 @@
           </a:lstStyle>
           <a:p>
             <a:r>
-              <a:rPr lang="de-DE" smtClean="0"/>
+              <a:rPr lang="de-DE"/>
               <a:t>Titelmasterformat durch Klicken bearbeiten</a:t>
             </a:r>
             <a:endParaRPr lang="de-AT"/>
@@ -2136,35 +2137,35 @@
           <a:p>
             <a:pPr lvl="0"/>
             <a:r>
-              <a:rPr lang="de-DE" smtClean="0"/>
+              <a:rPr lang="de-DE"/>
               <a:t>Textmasterformate durch Klicken bearbeiten</a:t>
             </a:r>
           </a:p>
           <a:p>
             <a:pPr lvl="1"/>
             <a:r>
-              <a:rPr lang="de-DE" smtClean="0"/>
+              <a:rPr lang="de-DE"/>
               <a:t>Zweite Ebene</a:t>
             </a:r>
           </a:p>
           <a:p>
             <a:pPr lvl="2"/>
             <a:r>
-              <a:rPr lang="de-DE" smtClean="0"/>
+              <a:rPr lang="de-DE"/>
               <a:t>Dritte Ebene</a:t>
             </a:r>
           </a:p>
           <a:p>
             <a:pPr lvl="3"/>
             <a:r>
-              <a:rPr lang="de-DE" smtClean="0"/>
+              <a:rPr lang="de-DE"/>
               <a:t>Vierte Ebene</a:t>
             </a:r>
           </a:p>
           <a:p>
             <a:pPr lvl="4"/>
             <a:r>
-              <a:rPr lang="de-DE" smtClean="0"/>
+              <a:rPr lang="de-DE"/>
               <a:t>Fünfte Ebene</a:t>
             </a:r>
             <a:endParaRPr lang="de-AT"/>
@@ -2230,7 +2231,7 @@
           <a:p>
             <a:pPr lvl="0"/>
             <a:r>
-              <a:rPr lang="de-DE" smtClean="0"/>
+              <a:rPr lang="de-DE"/>
               <a:t>Textmasterformate durch Klicken bearbeiten</a:t>
             </a:r>
           </a:p>
@@ -2254,7 +2255,7 @@
             <a:fld id="{10CFD44E-5975-4AC9-9C1D-CD371CB5D6EF}" type="datetimeFigureOut">
               <a:rPr lang="de-AT" smtClean="0"/>
               <a:pPr/>
-              <a:t>24.04.2017</a:t>
+              <a:t>27.10.25</a:t>
             </a:fld>
             <a:endParaRPr lang="de-AT"/>
           </a:p>
@@ -2353,7 +2354,7 @@
           </a:lstStyle>
           <a:p>
             <a:r>
-              <a:rPr lang="de-DE" smtClean="0"/>
+              <a:rPr lang="de-DE"/>
               <a:t>Titelmasterformat durch Klicken bearbeiten</a:t>
             </a:r>
             <a:endParaRPr lang="de-AT"/>
@@ -2480,7 +2481,7 @@
           <a:p>
             <a:pPr lvl="0"/>
             <a:r>
-              <a:rPr lang="de-DE" smtClean="0"/>
+              <a:rPr lang="de-DE"/>
               <a:t>Textmasterformate durch Klicken bearbeiten</a:t>
             </a:r>
           </a:p>
@@ -2504,7 +2505,7 @@
             <a:fld id="{10CFD44E-5975-4AC9-9C1D-CD371CB5D6EF}" type="datetimeFigureOut">
               <a:rPr lang="de-AT" smtClean="0"/>
               <a:pPr/>
-              <a:t>24.04.2017</a:t>
+              <a:t>27.10.25</a:t>
             </a:fld>
             <a:endParaRPr lang="de-AT"/>
           </a:p>
@@ -2609,7 +2610,7 @@
           <a:lstStyle/>
           <a:p>
             <a:r>
-              <a:rPr lang="de-DE" smtClean="0"/>
+              <a:rPr lang="de-DE"/>
               <a:t>Titelmasterformat durch Klicken bearbeiten</a:t>
             </a:r>
             <a:endParaRPr lang="de-AT"/>
@@ -2643,35 +2644,35 @@
           <a:p>
             <a:pPr lvl="0"/>
             <a:r>
-              <a:rPr lang="de-DE" smtClean="0"/>
+              <a:rPr lang="de-DE"/>
               <a:t>Textmasterformate durch Klicken bearbeiten</a:t>
             </a:r>
           </a:p>
           <a:p>
             <a:pPr lvl="1"/>
             <a:r>
-              <a:rPr lang="de-DE" smtClean="0"/>
+              <a:rPr lang="de-DE"/>
               <a:t>Zweite Ebene</a:t>
             </a:r>
           </a:p>
           <a:p>
             <a:pPr lvl="2"/>
             <a:r>
-              <a:rPr lang="de-DE" smtClean="0"/>
+              <a:rPr lang="de-DE"/>
               <a:t>Dritte Ebene</a:t>
             </a:r>
           </a:p>
           <a:p>
             <a:pPr lvl="3"/>
             <a:r>
-              <a:rPr lang="de-DE" smtClean="0"/>
+              <a:rPr lang="de-DE"/>
               <a:t>Vierte Ebene</a:t>
             </a:r>
           </a:p>
           <a:p>
             <a:pPr lvl="4"/>
             <a:r>
-              <a:rPr lang="de-DE" smtClean="0"/>
+              <a:rPr lang="de-DE"/>
               <a:t>Fünfte Ebene</a:t>
             </a:r>
             <a:endParaRPr lang="de-AT"/>
@@ -2714,7 +2715,7 @@
             <a:fld id="{10CFD44E-5975-4AC9-9C1D-CD371CB5D6EF}" type="datetimeFigureOut">
               <a:rPr lang="de-AT" smtClean="0"/>
               <a:pPr/>
-              <a:t>24.04.2017</a:t>
+              <a:t>27.10.25</a:t>
             </a:fld>
             <a:endParaRPr lang="de-AT"/>
           </a:p>
@@ -3101,11 +3102,11 @@
           <a:lstStyle/>
           <a:p>
             <a:r>
-              <a:rPr lang="de-AT" dirty="0" smtClean="0"/>
-              <a:t>PEPPOL AS4 </a:t>
-            </a:r>
-            <a:r>
-              <a:rPr lang="de-AT" dirty="0" err="1" smtClean="0"/>
+              <a:rPr lang="de-AT" dirty="0"/>
+              <a:t>Peppol AS4 </a:t>
+            </a:r>
+            <a:r>
+              <a:rPr lang="de-AT" dirty="0" err="1"/>
               <a:t>images</a:t>
             </a:r>
             <a:endParaRPr lang="de-AT" dirty="0"/>
@@ -3168,23 +3169,13 @@
         </p:nvSpPr>
         <p:spPr/>
         <p:txBody>
-          <a:bodyPr>
-            <a:normAutofit fontScale="90000"/>
-          </a:bodyPr>
-          <a:lstStyle/>
-          <a:p>
-            <a:r>
-              <a:rPr lang="en-GB" dirty="0" smtClean="0"/>
-              <a:t>Message Exchange – pull-push</a:t>
-            </a:r>
-            <a:br>
-              <a:rPr lang="en-GB" dirty="0" smtClean="0"/>
-            </a:br>
-            <a:r>
-              <a:rPr lang="en-GB" sz="2700" dirty="0" smtClean="0"/>
-              <a:t>with bundling</a:t>
-            </a:r>
-            <a:endParaRPr lang="en-GB" sz="2700" dirty="0"/>
+          <a:bodyPr/>
+          <a:lstStyle/>
+          <a:p>
+            <a:r>
+              <a:rPr lang="en-GB" dirty="0"/>
+              <a:t>Message Exchange – push-pull</a:t>
+            </a:r>
           </a:p>
         </p:txBody>
       </p:sp>
@@ -3225,18 +3216,13 @@
           <a:p>
             <a:pPr algn="ctr"/>
             <a:r>
-              <a:rPr lang="en-GB" dirty="0" smtClean="0">
+              <a:rPr lang="en-GB" dirty="0">
                 <a:solidFill>
                   <a:prstClr val="white"/>
                 </a:solidFill>
               </a:rPr>
               <a:t>C2</a:t>
             </a:r>
-            <a:endParaRPr lang="en-GB" dirty="0">
-              <a:solidFill>
-                <a:prstClr val="white"/>
-              </a:solidFill>
-            </a:endParaRPr>
           </a:p>
         </p:txBody>
       </p:sp>
@@ -3277,18 +3263,13 @@
           <a:p>
             <a:pPr algn="ctr"/>
             <a:r>
-              <a:rPr lang="en-GB" dirty="0" smtClean="0">
+              <a:rPr lang="en-GB" dirty="0">
                 <a:solidFill>
                   <a:prstClr val="white"/>
                 </a:solidFill>
               </a:rPr>
               <a:t>C3</a:t>
             </a:r>
-            <a:endParaRPr lang="en-GB" dirty="0">
-              <a:solidFill>
-                <a:prstClr val="white"/>
-              </a:solidFill>
-            </a:endParaRPr>
           </a:p>
         </p:txBody>
       </p:sp>
@@ -3301,7 +3282,7 @@
         <p:spPr>
           <a:xfrm>
             <a:off x="6012160" y="2996952"/>
-            <a:ext cx="0" cy="2160240"/>
+            <a:ext cx="0" cy="2880320"/>
           </a:xfrm>
           <a:prstGeom prst="line">
             <a:avLst/>
@@ -3324,6 +3305,139 @@
       </p:cxnSp>
       <p:cxnSp>
         <p:nvCxnSpPr>
+          <p:cNvPr id="6" name="Gerade Verbindung mit Pfeil 5"/>
+          <p:cNvCxnSpPr/>
+          <p:nvPr/>
+        </p:nvCxnSpPr>
+        <p:spPr>
+          <a:xfrm>
+            <a:off x="2699792" y="3356992"/>
+            <a:ext cx="3312368" cy="0"/>
+          </a:xfrm>
+          <a:prstGeom prst="straightConnector1">
+            <a:avLst/>
+          </a:prstGeom>
+          <a:ln>
+            <a:tailEnd type="arrow"/>
+          </a:ln>
+        </p:spPr>
+        <p:style>
+          <a:lnRef idx="1">
+            <a:schemeClr val="accent1"/>
+          </a:lnRef>
+          <a:fillRef idx="0">
+            <a:schemeClr val="accent1"/>
+          </a:fillRef>
+          <a:effectRef idx="0">
+            <a:schemeClr val="accent1"/>
+          </a:effectRef>
+          <a:fontRef idx="minor">
+            <a:schemeClr val="tx1"/>
+          </a:fontRef>
+        </p:style>
+      </p:cxnSp>
+      <p:sp>
+        <p:nvSpPr>
+          <p:cNvPr id="7" name="Textfeld 6"/>
+          <p:cNvSpPr txBox="1"/>
+          <p:nvPr/>
+        </p:nvSpPr>
+        <p:spPr>
+          <a:xfrm>
+            <a:off x="3624000" y="3068960"/>
+            <a:ext cx="1495602" cy="369332"/>
+          </a:xfrm>
+          <a:prstGeom prst="rect">
+            <a:avLst/>
+          </a:prstGeom>
+          <a:noFill/>
+        </p:spPr>
+        <p:txBody>
+          <a:bodyPr wrap="none" rtlCol="0">
+            <a:spAutoFit/>
+          </a:bodyPr>
+          <a:lstStyle/>
+          <a:p>
+            <a:r>
+              <a:rPr lang="en-GB" dirty="0">
+                <a:solidFill>
+                  <a:prstClr val="black"/>
+                </a:solidFill>
+              </a:rPr>
+              <a:t>User Message</a:t>
+            </a:r>
+          </a:p>
+        </p:txBody>
+      </p:sp>
+      <p:cxnSp>
+        <p:nvCxnSpPr>
+          <p:cNvPr id="11" name="Gerade Verbindung mit Pfeil 10"/>
+          <p:cNvCxnSpPr/>
+          <p:nvPr/>
+        </p:nvCxnSpPr>
+        <p:spPr>
+          <a:xfrm flipH="1">
+            <a:off x="2699792" y="3789040"/>
+            <a:ext cx="3312368" cy="0"/>
+          </a:xfrm>
+          <a:prstGeom prst="straightConnector1">
+            <a:avLst/>
+          </a:prstGeom>
+          <a:ln>
+            <a:prstDash val="dash"/>
+            <a:tailEnd type="arrow"/>
+          </a:ln>
+        </p:spPr>
+        <p:style>
+          <a:lnRef idx="1">
+            <a:schemeClr val="accent1"/>
+          </a:lnRef>
+          <a:fillRef idx="0">
+            <a:schemeClr val="accent1"/>
+          </a:fillRef>
+          <a:effectRef idx="0">
+            <a:schemeClr val="accent1"/>
+          </a:effectRef>
+          <a:fontRef idx="minor">
+            <a:schemeClr val="tx1"/>
+          </a:fontRef>
+        </p:style>
+      </p:cxnSp>
+      <p:sp>
+        <p:nvSpPr>
+          <p:cNvPr id="12" name="Textfeld 11"/>
+          <p:cNvSpPr txBox="1"/>
+          <p:nvPr/>
+        </p:nvSpPr>
+        <p:spPr>
+          <a:xfrm>
+            <a:off x="3563888" y="3501008"/>
+            <a:ext cx="1615827" cy="369332"/>
+          </a:xfrm>
+          <a:prstGeom prst="rect">
+            <a:avLst/>
+          </a:prstGeom>
+          <a:noFill/>
+        </p:spPr>
+        <p:txBody>
+          <a:bodyPr wrap="none" rtlCol="0">
+            <a:spAutoFit/>
+          </a:bodyPr>
+          <a:lstStyle/>
+          <a:p>
+            <a:r>
+              <a:rPr lang="en-GB" dirty="0">
+                <a:solidFill>
+                  <a:prstClr val="black"/>
+                </a:solidFill>
+              </a:rPr>
+              <a:t>Signal Message</a:t>
+            </a:r>
+          </a:p>
+        </p:txBody>
+      </p:sp>
+      <p:cxnSp>
+        <p:nvCxnSpPr>
           <p:cNvPr id="13" name="Gerade Verbindung 12"/>
           <p:cNvCxnSpPr/>
           <p:nvPr/>
@@ -3331,7 +3445,7 @@
         <p:spPr>
           <a:xfrm>
             <a:off x="2699792" y="2996952"/>
-            <a:ext cx="0" cy="2160240"/>
+            <a:ext cx="0" cy="2808312"/>
           </a:xfrm>
           <a:prstGeom prst="line">
             <a:avLst/>
@@ -3354,20 +3468,21 @@
       </p:cxnSp>
       <p:cxnSp>
         <p:nvCxnSpPr>
-          <p:cNvPr id="15" name="Gerade Verbindung mit Pfeil 14"/>
+          <p:cNvPr id="21" name="Gerade Verbindung mit Pfeil 20"/>
           <p:cNvCxnSpPr/>
           <p:nvPr/>
         </p:nvCxnSpPr>
         <p:spPr>
-          <a:xfrm>
-            <a:off x="2699792" y="3356992"/>
+          <a:xfrm flipH="1">
+            <a:off x="2699792" y="4499828"/>
             <a:ext cx="3312368" cy="0"/>
           </a:xfrm>
           <a:prstGeom prst="straightConnector1">
             <a:avLst/>
           </a:prstGeom>
           <a:ln>
-            <a:tailEnd type="arrow"/>
+            <a:headEnd type="arrow"/>
+            <a:tailEnd type="none"/>
           </a:ln>
         </p:spPr>
         <p:style>
@@ -3387,13 +3502,13 @@
       </p:cxnSp>
       <p:sp>
         <p:nvSpPr>
-          <p:cNvPr id="16" name="Textfeld 15"/>
+          <p:cNvPr id="22" name="Textfeld 21"/>
           <p:cNvSpPr txBox="1"/>
           <p:nvPr/>
         </p:nvSpPr>
         <p:spPr>
           <a:xfrm>
-            <a:off x="3700079" y="3068960"/>
+            <a:off x="3700079" y="4211796"/>
             <a:ext cx="1343445" cy="369332"/>
           </a:xfrm>
           <a:prstGeom prst="rect">
@@ -3408,30 +3523,25 @@
           <a:lstStyle/>
           <a:p>
             <a:r>
-              <a:rPr lang="en-GB" dirty="0" smtClean="0">
+              <a:rPr lang="en-GB" dirty="0">
                 <a:solidFill>
                   <a:prstClr val="black"/>
                 </a:solidFill>
               </a:rPr>
               <a:t>Pull Request</a:t>
             </a:r>
-            <a:endParaRPr lang="en-GB" dirty="0">
-              <a:solidFill>
-                <a:prstClr val="black"/>
-              </a:solidFill>
-            </a:endParaRPr>
           </a:p>
         </p:txBody>
       </p:sp>
       <p:cxnSp>
         <p:nvCxnSpPr>
-          <p:cNvPr id="17" name="Gerade Verbindung mit Pfeil 16"/>
+          <p:cNvPr id="23" name="Gerade Verbindung mit Pfeil 22"/>
           <p:cNvCxnSpPr/>
           <p:nvPr/>
         </p:nvCxnSpPr>
         <p:spPr>
-          <a:xfrm flipH="1">
-            <a:off x="2699792" y="3789040"/>
+          <a:xfrm>
+            <a:off x="2699792" y="4931876"/>
             <a:ext cx="3312368" cy="0"/>
           </a:xfrm>
           <a:prstGeom prst="straightConnector1">
@@ -3439,7 +3549,8 @@
           </a:prstGeom>
           <a:ln>
             <a:prstDash val="dash"/>
-            <a:tailEnd type="arrow"/>
+            <a:headEnd type="arrow"/>
+            <a:tailEnd type="none"/>
           </a:ln>
         </p:spPr>
         <p:style>
@@ -3459,13 +3570,13 @@
       </p:cxnSp>
       <p:sp>
         <p:nvSpPr>
-          <p:cNvPr id="18" name="Textfeld 17"/>
+          <p:cNvPr id="24" name="Textfeld 23"/>
           <p:cNvSpPr txBox="1"/>
           <p:nvPr/>
         </p:nvSpPr>
         <p:spPr>
           <a:xfrm>
-            <a:off x="3624000" y="3501008"/>
+            <a:off x="3624000" y="4643844"/>
             <a:ext cx="1495602" cy="369332"/>
           </a:xfrm>
           <a:prstGeom prst="rect">
@@ -3480,38 +3591,32 @@
           <a:lstStyle/>
           <a:p>
             <a:r>
-              <a:rPr lang="en-GB" dirty="0" smtClean="0">
+              <a:rPr lang="en-GB" dirty="0">
                 <a:solidFill>
                   <a:prstClr val="black"/>
                 </a:solidFill>
               </a:rPr>
               <a:t>User Message</a:t>
             </a:r>
-            <a:endParaRPr lang="en-GB" dirty="0">
-              <a:solidFill>
-                <a:prstClr val="black"/>
-              </a:solidFill>
-            </a:endParaRPr>
           </a:p>
         </p:txBody>
       </p:sp>
       <p:cxnSp>
         <p:nvCxnSpPr>
-          <p:cNvPr id="19" name="Gerade Verbindung mit Pfeil 18"/>
+          <p:cNvPr id="19" name="Gerade Verbindung mit Pfeil 5"/>
           <p:cNvCxnSpPr/>
           <p:nvPr/>
         </p:nvCxnSpPr>
         <p:spPr>
-          <a:xfrm flipH="1">
-            <a:off x="2699792" y="4499828"/>
+          <a:xfrm>
+            <a:off x="2699792" y="5338847"/>
             <a:ext cx="3312368" cy="0"/>
           </a:xfrm>
           <a:prstGeom prst="straightConnector1">
             <a:avLst/>
           </a:prstGeom>
           <a:ln>
-            <a:headEnd type="arrow"/>
-            <a:tailEnd type="none"/>
+            <a:tailEnd type="arrow"/>
           </a:ln>
         </p:spPr>
         <p:style>
@@ -3531,14 +3636,14 @@
       </p:cxnSp>
       <p:sp>
         <p:nvSpPr>
-          <p:cNvPr id="20" name="Textfeld 19"/>
+          <p:cNvPr id="20" name="Textfeld 6"/>
           <p:cNvSpPr txBox="1"/>
           <p:nvPr/>
         </p:nvSpPr>
         <p:spPr>
           <a:xfrm>
-            <a:off x="3236842" y="4186546"/>
-            <a:ext cx="2269917" cy="369332"/>
+            <a:off x="3624000" y="5050815"/>
+            <a:ext cx="1615892" cy="369332"/>
           </a:xfrm>
           <a:prstGeom prst="rect">
             <a:avLst/>
@@ -3552,105 +3657,19 @@
           <a:lstStyle/>
           <a:p>
             <a:r>
-              <a:rPr lang="en-GB" dirty="0" smtClean="0">
-                <a:solidFill>
-                  <a:prstClr val="black"/>
-                </a:solidFill>
-              </a:rPr>
-              <a:t>User Message </a:t>
-            </a:r>
-            <a:r>
-              <a:rPr lang="en-GB" smtClean="0">
-                <a:solidFill>
-                  <a:prstClr val="black"/>
-                </a:solidFill>
-              </a:rPr>
-              <a:t>+ Signal</a:t>
-            </a:r>
-            <a:endParaRPr lang="en-GB" dirty="0">
-              <a:solidFill>
-                <a:prstClr val="black"/>
-              </a:solidFill>
-            </a:endParaRPr>
-          </a:p>
-        </p:txBody>
-      </p:sp>
-      <p:cxnSp>
-        <p:nvCxnSpPr>
-          <p:cNvPr id="25" name="Gerade Verbindung mit Pfeil 24"/>
-          <p:cNvCxnSpPr/>
-          <p:nvPr/>
-        </p:nvCxnSpPr>
-        <p:spPr>
-          <a:xfrm>
-            <a:off x="2699792" y="4931876"/>
-            <a:ext cx="3312368" cy="0"/>
-          </a:xfrm>
-          <a:prstGeom prst="straightConnector1">
-            <a:avLst/>
-          </a:prstGeom>
-          <a:ln>
-            <a:prstDash val="dash"/>
-            <a:headEnd type="arrow"/>
-            <a:tailEnd type="none"/>
-          </a:ln>
-        </p:spPr>
-        <p:style>
-          <a:lnRef idx="1">
-            <a:schemeClr val="accent1"/>
-          </a:lnRef>
-          <a:fillRef idx="0">
-            <a:schemeClr val="accent1"/>
-          </a:fillRef>
-          <a:effectRef idx="0">
-            <a:schemeClr val="accent1"/>
-          </a:effectRef>
-          <a:fontRef idx="minor">
-            <a:schemeClr val="tx1"/>
-          </a:fontRef>
-        </p:style>
-      </p:cxnSp>
-      <p:sp>
-        <p:nvSpPr>
-          <p:cNvPr id="26" name="Textfeld 25"/>
-          <p:cNvSpPr txBox="1"/>
-          <p:nvPr/>
-        </p:nvSpPr>
-        <p:spPr>
-          <a:xfrm>
-            <a:off x="3563888" y="4643844"/>
-            <a:ext cx="1615827" cy="369332"/>
-          </a:xfrm>
-          <a:prstGeom prst="rect">
-            <a:avLst/>
-          </a:prstGeom>
-          <a:noFill/>
-        </p:spPr>
-        <p:txBody>
-          <a:bodyPr wrap="none" rtlCol="0">
-            <a:spAutoFit/>
-          </a:bodyPr>
-          <a:lstStyle/>
-          <a:p>
-            <a:r>
-              <a:rPr lang="en-GB" dirty="0" smtClean="0">
+              <a:rPr lang="en-GB" dirty="0">
                 <a:solidFill>
                   <a:prstClr val="black"/>
                 </a:solidFill>
               </a:rPr>
               <a:t>Signal Message</a:t>
             </a:r>
-            <a:endParaRPr lang="en-GB" dirty="0">
-              <a:solidFill>
-                <a:prstClr val="black"/>
-              </a:solidFill>
-            </a:endParaRPr>
-          </a:p>
-        </p:txBody>
-      </p:sp>
-      <p:sp>
-        <p:nvSpPr>
-          <p:cNvPr id="21" name="TextBox 20"/>
+          </a:p>
+        </p:txBody>
+      </p:sp>
+      <p:sp>
+        <p:nvSpPr>
+          <p:cNvPr id="25" name="TextBox 24"/>
           <p:cNvSpPr txBox="1"/>
           <p:nvPr/>
         </p:nvSpPr>
@@ -3671,16 +3690,15 @@
           <a:lstStyle/>
           <a:p>
             <a:r>
-              <a:rPr lang="en-US" b="1" dirty="0" smtClean="0"/>
+              <a:rPr lang="en-US" b="1" dirty="0"/>
               <a:t>Initiator</a:t>
             </a:r>
-            <a:endParaRPr lang="en-US" b="1" dirty="0"/>
-          </a:p>
-        </p:txBody>
-      </p:sp>
-      <p:sp>
-        <p:nvSpPr>
-          <p:cNvPr id="22" name="TextBox 21"/>
+          </a:p>
+        </p:txBody>
+      </p:sp>
+      <p:sp>
+        <p:nvSpPr>
+          <p:cNvPr id="26" name="TextBox 25"/>
           <p:cNvSpPr txBox="1"/>
           <p:nvPr/>
         </p:nvSpPr>
@@ -3701,7 +3719,7 @@
           <a:lstStyle/>
           <a:p>
             <a:r>
-              <a:rPr lang="en-US" b="1" smtClean="0"/>
+              <a:rPr lang="en-US" b="1"/>
               <a:t>Responder</a:t>
             </a:r>
             <a:endParaRPr lang="en-US" b="1" dirty="0"/>
@@ -3710,13 +3728,13 @@
       </p:sp>
       <p:sp>
         <p:nvSpPr>
-          <p:cNvPr id="23" name="TextBox 22"/>
+          <p:cNvPr id="27" name="TextBox 26"/>
           <p:cNvSpPr txBox="1"/>
           <p:nvPr/>
         </p:nvSpPr>
         <p:spPr>
           <a:xfrm>
-            <a:off x="1782681" y="4499828"/>
+            <a:off x="1782681" y="3368780"/>
             <a:ext cx="845103" cy="369332"/>
           </a:xfrm>
           <a:prstGeom prst="rect">
@@ -3731,30 +3749,25 @@
           <a:lstStyle/>
           <a:p>
             <a:r>
-              <a:rPr lang="en-US" i="1" dirty="0" smtClean="0">
+              <a:rPr lang="en-US" i="1" dirty="0">
                 <a:latin typeface="Times New Roman" charset="0"/>
                 <a:ea typeface="Times New Roman" charset="0"/>
                 <a:cs typeface="Times New Roman" charset="0"/>
               </a:rPr>
               <a:t>Sender</a:t>
             </a:r>
-            <a:endParaRPr lang="en-US" i="1" dirty="0">
-              <a:latin typeface="Times New Roman" charset="0"/>
-              <a:ea typeface="Times New Roman" charset="0"/>
-              <a:cs typeface="Times New Roman" charset="0"/>
-            </a:endParaRPr>
-          </a:p>
-        </p:txBody>
-      </p:sp>
-      <p:sp>
-        <p:nvSpPr>
-          <p:cNvPr id="24" name="TextBox 23"/>
+          </a:p>
+        </p:txBody>
+      </p:sp>
+      <p:sp>
+        <p:nvSpPr>
+          <p:cNvPr id="28" name="TextBox 27"/>
           <p:cNvSpPr txBox="1"/>
           <p:nvPr/>
         </p:nvSpPr>
         <p:spPr>
           <a:xfrm>
-            <a:off x="6136085" y="4499828"/>
+            <a:off x="6136085" y="3368780"/>
             <a:ext cx="992579" cy="369332"/>
           </a:xfrm>
           <a:prstGeom prst="rect">
@@ -3769,30 +3782,25 @@
           <a:lstStyle/>
           <a:p>
             <a:r>
-              <a:rPr lang="en-US" i="1" dirty="0" smtClean="0">
+              <a:rPr lang="en-US" i="1" dirty="0">
                 <a:latin typeface="Times New Roman" charset="0"/>
                 <a:ea typeface="Times New Roman" charset="0"/>
                 <a:cs typeface="Times New Roman" charset="0"/>
               </a:rPr>
               <a:t>Receiver</a:t>
             </a:r>
-            <a:endParaRPr lang="en-US" i="1" dirty="0">
-              <a:latin typeface="Times New Roman" charset="0"/>
-              <a:ea typeface="Times New Roman" charset="0"/>
-              <a:cs typeface="Times New Roman" charset="0"/>
-            </a:endParaRPr>
-          </a:p>
-        </p:txBody>
-      </p:sp>
-      <p:sp>
-        <p:nvSpPr>
-          <p:cNvPr id="27" name="TextBox 26"/>
+          </a:p>
+        </p:txBody>
+      </p:sp>
+      <p:sp>
+        <p:nvSpPr>
+          <p:cNvPr id="29" name="TextBox 28"/>
           <p:cNvSpPr txBox="1"/>
           <p:nvPr/>
         </p:nvSpPr>
         <p:spPr>
           <a:xfrm>
-            <a:off x="1635205" y="3377052"/>
+            <a:off x="1635205" y="4825499"/>
             <a:ext cx="992579" cy="369332"/>
           </a:xfrm>
           <a:prstGeom prst="rect">
@@ -3807,30 +3815,25 @@
           <a:lstStyle/>
           <a:p>
             <a:r>
-              <a:rPr lang="en-US" i="1" dirty="0" smtClean="0">
+              <a:rPr lang="en-US" i="1" dirty="0">
                 <a:latin typeface="Times New Roman" charset="0"/>
                 <a:ea typeface="Times New Roman" charset="0"/>
                 <a:cs typeface="Times New Roman" charset="0"/>
               </a:rPr>
               <a:t>Receiver</a:t>
             </a:r>
-            <a:endParaRPr lang="en-US" i="1" dirty="0">
-              <a:latin typeface="Times New Roman" charset="0"/>
-              <a:ea typeface="Times New Roman" charset="0"/>
-              <a:cs typeface="Times New Roman" charset="0"/>
-            </a:endParaRPr>
-          </a:p>
-        </p:txBody>
-      </p:sp>
-      <p:sp>
-        <p:nvSpPr>
-          <p:cNvPr id="28" name="TextBox 27"/>
+          </a:p>
+        </p:txBody>
+      </p:sp>
+      <p:sp>
+        <p:nvSpPr>
+          <p:cNvPr id="30" name="TextBox 29"/>
           <p:cNvSpPr txBox="1"/>
           <p:nvPr/>
         </p:nvSpPr>
         <p:spPr>
           <a:xfrm>
-            <a:off x="6136084" y="3377052"/>
+            <a:off x="6136084" y="4825499"/>
             <a:ext cx="825867" cy="369332"/>
           </a:xfrm>
           <a:prstGeom prst="rect">
@@ -3845,18 +3848,13 @@
           <a:lstStyle/>
           <a:p>
             <a:r>
-              <a:rPr lang="en-US" i="1" dirty="0" smtClean="0">
+              <a:rPr lang="en-US" i="1" dirty="0">
                 <a:latin typeface="Times New Roman" charset="0"/>
                 <a:ea typeface="Times New Roman" charset="0"/>
                 <a:cs typeface="Times New Roman" charset="0"/>
               </a:rPr>
               <a:t>Sender</a:t>
             </a:r>
-            <a:endParaRPr lang="en-US" i="1" dirty="0">
-              <a:latin typeface="Times New Roman" charset="0"/>
-              <a:ea typeface="Times New Roman" charset="0"/>
-              <a:cs typeface="Times New Roman" charset="0"/>
-            </a:endParaRPr>
           </a:p>
         </p:txBody>
       </p:sp>
@@ -3903,17 +3901,16 @@
           <a:lstStyle/>
           <a:p>
             <a:r>
-              <a:rPr lang="en-GB" dirty="0" smtClean="0"/>
+              <a:rPr lang="en-GB" dirty="0"/>
               <a:t>Message Exchange – pull-push</a:t>
             </a:r>
             <a:br>
-              <a:rPr lang="en-GB" dirty="0" smtClean="0"/>
+              <a:rPr lang="en-GB" dirty="0"/>
             </a:br>
             <a:r>
-              <a:rPr lang="en-GB" sz="2700" dirty="0" smtClean="0"/>
-              <a:t>without bundling</a:t>
-            </a:r>
-            <a:endParaRPr lang="en-GB" sz="2700" dirty="0"/>
+              <a:rPr lang="en-GB" sz="2700" dirty="0"/>
+              <a:t>with bundling</a:t>
+            </a:r>
           </a:p>
         </p:txBody>
       </p:sp>
@@ -3954,18 +3951,13 @@
           <a:p>
             <a:pPr algn="ctr"/>
             <a:r>
-              <a:rPr lang="en-GB" dirty="0" smtClean="0">
+              <a:rPr lang="en-GB" dirty="0">
                 <a:solidFill>
                   <a:prstClr val="white"/>
                 </a:solidFill>
               </a:rPr>
               <a:t>C2</a:t>
             </a:r>
-            <a:endParaRPr lang="en-GB" dirty="0">
-              <a:solidFill>
-                <a:prstClr val="white"/>
-              </a:solidFill>
-            </a:endParaRPr>
           </a:p>
         </p:txBody>
       </p:sp>
@@ -4006,18 +3998,13 @@
           <a:p>
             <a:pPr algn="ctr"/>
             <a:r>
-              <a:rPr lang="en-GB" dirty="0" smtClean="0">
+              <a:rPr lang="en-GB" dirty="0">
                 <a:solidFill>
                   <a:prstClr val="white"/>
                 </a:solidFill>
               </a:rPr>
               <a:t>C3</a:t>
             </a:r>
-            <a:endParaRPr lang="en-GB" dirty="0">
-              <a:solidFill>
-                <a:prstClr val="white"/>
-              </a:solidFill>
-            </a:endParaRPr>
           </a:p>
         </p:txBody>
       </p:sp>
@@ -4030,7 +4017,7 @@
         <p:spPr>
           <a:xfrm>
             <a:off x="6012160" y="2996952"/>
-            <a:ext cx="0" cy="2520280"/>
+            <a:ext cx="0" cy="2160240"/>
           </a:xfrm>
           <a:prstGeom prst="line">
             <a:avLst/>
@@ -4060,7 +4047,7 @@
         <p:spPr>
           <a:xfrm>
             <a:off x="2699792" y="2996952"/>
-            <a:ext cx="0" cy="2520280"/>
+            <a:ext cx="0" cy="2160240"/>
           </a:xfrm>
           <a:prstGeom prst="line">
             <a:avLst/>
@@ -4137,18 +4124,13 @@
           <a:lstStyle/>
           <a:p>
             <a:r>
-              <a:rPr lang="en-GB" dirty="0" smtClean="0">
+              <a:rPr lang="en-GB" dirty="0">
                 <a:solidFill>
                   <a:prstClr val="black"/>
                 </a:solidFill>
               </a:rPr>
               <a:t>Pull Request</a:t>
             </a:r>
-            <a:endParaRPr lang="en-GB" dirty="0">
-              <a:solidFill>
-                <a:prstClr val="black"/>
-              </a:solidFill>
-            </a:endParaRPr>
           </a:p>
         </p:txBody>
       </p:sp>
@@ -4209,18 +4191,13 @@
           <a:lstStyle/>
           <a:p>
             <a:r>
-              <a:rPr lang="en-GB" dirty="0" smtClean="0">
+              <a:rPr lang="en-GB" dirty="0">
                 <a:solidFill>
                   <a:prstClr val="black"/>
                 </a:solidFill>
               </a:rPr>
               <a:t>User Message</a:t>
             </a:r>
-            <a:endParaRPr lang="en-GB" dirty="0">
-              <a:solidFill>
-                <a:prstClr val="black"/>
-              </a:solidFill>
-            </a:endParaRPr>
           </a:p>
         </p:txBody>
       </p:sp>
@@ -4232,7 +4209,7 @@
         </p:nvCxnSpPr>
         <p:spPr>
           <a:xfrm flipH="1">
-            <a:off x="2699792" y="4864299"/>
+            <a:off x="2699792" y="4499828"/>
             <a:ext cx="3312368" cy="0"/>
           </a:xfrm>
           <a:prstGeom prst="straightConnector1">
@@ -4266,8 +4243,8 @@
         </p:nvSpPr>
         <p:spPr>
           <a:xfrm>
-            <a:off x="3617156" y="4557684"/>
-            <a:ext cx="1495666" cy="369332"/>
+            <a:off x="3236842" y="4186546"/>
+            <a:ext cx="2269917" cy="369332"/>
           </a:xfrm>
           <a:prstGeom prst="rect">
             <a:avLst/>
@@ -4281,12 +4258,20 @@
           <a:lstStyle/>
           <a:p>
             <a:r>
-              <a:rPr lang="en-GB" smtClean="0">
+              <a:rPr lang="en-GB" dirty="0">
                 <a:solidFill>
                   <a:prstClr val="black"/>
                 </a:solidFill>
               </a:rPr>
-              <a:t>User Message</a:t>
+              <a:t>User Message </a:t>
+            </a:r>
+            <a:r>
+              <a:rPr lang="en-GB">
+                <a:solidFill>
+                  <a:prstClr val="black"/>
+                </a:solidFill>
+              </a:rPr>
+              <a:t>+ Signal</a:t>
             </a:r>
             <a:endParaRPr lang="en-GB" dirty="0">
               <a:solidFill>
@@ -4304,7 +4289,7 @@
         </p:nvCxnSpPr>
         <p:spPr>
           <a:xfrm>
-            <a:off x="2699792" y="5296347"/>
+            <a:off x="2699792" y="4931876"/>
             <a:ext cx="3312368" cy="0"/>
           </a:xfrm>
           <a:prstGeom prst="straightConnector1">
@@ -4339,7 +4324,7 @@
         </p:nvSpPr>
         <p:spPr>
           <a:xfrm>
-            <a:off x="3563888" y="5008315"/>
+            <a:off x="3563888" y="4643844"/>
             <a:ext cx="1615827" cy="369332"/>
           </a:xfrm>
           <a:prstGeom prst="rect">
@@ -4354,39 +4339,371 @@
           <a:lstStyle/>
           <a:p>
             <a:r>
-              <a:rPr lang="en-GB" dirty="0" smtClean="0">
+              <a:rPr lang="en-GB" dirty="0">
                 <a:solidFill>
                   <a:prstClr val="black"/>
                 </a:solidFill>
               </a:rPr>
               <a:t>Signal Message</a:t>
             </a:r>
-            <a:endParaRPr lang="en-GB" dirty="0">
-              <a:solidFill>
-                <a:prstClr val="black"/>
-              </a:solidFill>
-            </a:endParaRPr>
+          </a:p>
+        </p:txBody>
+      </p:sp>
+      <p:sp>
+        <p:nvSpPr>
+          <p:cNvPr id="21" name="TextBox 20"/>
+          <p:cNvSpPr txBox="1"/>
+          <p:nvPr/>
+        </p:nvSpPr>
+        <p:spPr>
+          <a:xfrm>
+            <a:off x="2221584" y="2051556"/>
+            <a:ext cx="956416" cy="369332"/>
+          </a:xfrm>
+          <a:prstGeom prst="rect">
+            <a:avLst/>
+          </a:prstGeom>
+          <a:noFill/>
+        </p:spPr>
+        <p:txBody>
+          <a:bodyPr wrap="none" rtlCol="0">
+            <a:spAutoFit/>
+          </a:bodyPr>
+          <a:lstStyle/>
+          <a:p>
+            <a:r>
+              <a:rPr lang="en-US" b="1" dirty="0"/>
+              <a:t>Initiator</a:t>
+            </a:r>
+          </a:p>
+        </p:txBody>
+      </p:sp>
+      <p:sp>
+        <p:nvSpPr>
+          <p:cNvPr id="22" name="TextBox 21"/>
+          <p:cNvSpPr txBox="1"/>
+          <p:nvPr/>
+        </p:nvSpPr>
+        <p:spPr>
+          <a:xfrm>
+            <a:off x="5407667" y="2051556"/>
+            <a:ext cx="1208985" cy="369332"/>
+          </a:xfrm>
+          <a:prstGeom prst="rect">
+            <a:avLst/>
+          </a:prstGeom>
+          <a:noFill/>
+        </p:spPr>
+        <p:txBody>
+          <a:bodyPr wrap="none" rtlCol="0">
+            <a:spAutoFit/>
+          </a:bodyPr>
+          <a:lstStyle/>
+          <a:p>
+            <a:r>
+              <a:rPr lang="en-US" b="1"/>
+              <a:t>Responder</a:t>
+            </a:r>
+            <a:endParaRPr lang="en-US" b="1" dirty="0"/>
+          </a:p>
+        </p:txBody>
+      </p:sp>
+      <p:sp>
+        <p:nvSpPr>
+          <p:cNvPr id="23" name="TextBox 22"/>
+          <p:cNvSpPr txBox="1"/>
+          <p:nvPr/>
+        </p:nvSpPr>
+        <p:spPr>
+          <a:xfrm>
+            <a:off x="1782681" y="4499828"/>
+            <a:ext cx="845103" cy="369332"/>
+          </a:xfrm>
+          <a:prstGeom prst="rect">
+            <a:avLst/>
+          </a:prstGeom>
+          <a:noFill/>
+        </p:spPr>
+        <p:txBody>
+          <a:bodyPr wrap="none" rtlCol="0">
+            <a:spAutoFit/>
+          </a:bodyPr>
+          <a:lstStyle/>
+          <a:p>
+            <a:r>
+              <a:rPr lang="en-US" i="1" dirty="0">
+                <a:latin typeface="Times New Roman" charset="0"/>
+                <a:ea typeface="Times New Roman" charset="0"/>
+                <a:cs typeface="Times New Roman" charset="0"/>
+              </a:rPr>
+              <a:t>Sender</a:t>
+            </a:r>
+          </a:p>
+        </p:txBody>
+      </p:sp>
+      <p:sp>
+        <p:nvSpPr>
+          <p:cNvPr id="24" name="TextBox 23"/>
+          <p:cNvSpPr txBox="1"/>
+          <p:nvPr/>
+        </p:nvSpPr>
+        <p:spPr>
+          <a:xfrm>
+            <a:off x="6136085" y="4499828"/>
+            <a:ext cx="992579" cy="369332"/>
+          </a:xfrm>
+          <a:prstGeom prst="rect">
+            <a:avLst/>
+          </a:prstGeom>
+          <a:noFill/>
+        </p:spPr>
+        <p:txBody>
+          <a:bodyPr wrap="none" rtlCol="0">
+            <a:spAutoFit/>
+          </a:bodyPr>
+          <a:lstStyle/>
+          <a:p>
+            <a:r>
+              <a:rPr lang="en-US" i="1" dirty="0">
+                <a:latin typeface="Times New Roman" charset="0"/>
+                <a:ea typeface="Times New Roman" charset="0"/>
+                <a:cs typeface="Times New Roman" charset="0"/>
+              </a:rPr>
+              <a:t>Receiver</a:t>
+            </a:r>
+          </a:p>
+        </p:txBody>
+      </p:sp>
+      <p:sp>
+        <p:nvSpPr>
+          <p:cNvPr id="27" name="TextBox 26"/>
+          <p:cNvSpPr txBox="1"/>
+          <p:nvPr/>
+        </p:nvSpPr>
+        <p:spPr>
+          <a:xfrm>
+            <a:off x="1635205" y="3377052"/>
+            <a:ext cx="992579" cy="369332"/>
+          </a:xfrm>
+          <a:prstGeom prst="rect">
+            <a:avLst/>
+          </a:prstGeom>
+          <a:noFill/>
+        </p:spPr>
+        <p:txBody>
+          <a:bodyPr wrap="none" rtlCol="0">
+            <a:spAutoFit/>
+          </a:bodyPr>
+          <a:lstStyle/>
+          <a:p>
+            <a:r>
+              <a:rPr lang="en-US" i="1" dirty="0">
+                <a:latin typeface="Times New Roman" charset="0"/>
+                <a:ea typeface="Times New Roman" charset="0"/>
+                <a:cs typeface="Times New Roman" charset="0"/>
+              </a:rPr>
+              <a:t>Receiver</a:t>
+            </a:r>
+          </a:p>
+        </p:txBody>
+      </p:sp>
+      <p:sp>
+        <p:nvSpPr>
+          <p:cNvPr id="28" name="TextBox 27"/>
+          <p:cNvSpPr txBox="1"/>
+          <p:nvPr/>
+        </p:nvSpPr>
+        <p:spPr>
+          <a:xfrm>
+            <a:off x="6136084" y="3377052"/>
+            <a:ext cx="825867" cy="369332"/>
+          </a:xfrm>
+          <a:prstGeom prst="rect">
+            <a:avLst/>
+          </a:prstGeom>
+          <a:noFill/>
+        </p:spPr>
+        <p:txBody>
+          <a:bodyPr wrap="none" rtlCol="0">
+            <a:spAutoFit/>
+          </a:bodyPr>
+          <a:lstStyle/>
+          <a:p>
+            <a:r>
+              <a:rPr lang="en-US" i="1" dirty="0">
+                <a:latin typeface="Times New Roman" charset="0"/>
+                <a:ea typeface="Times New Roman" charset="0"/>
+                <a:cs typeface="Times New Roman" charset="0"/>
+              </a:rPr>
+              <a:t>Sender</a:t>
+            </a:r>
+          </a:p>
+        </p:txBody>
+      </p:sp>
+    </p:spTree>
+  </p:cSld>
+  <p:clrMapOvr>
+    <a:masterClrMapping/>
+  </p:clrMapOvr>
+</p:sld>
+</file>
+
+<file path=ppt/slides/slide12.xml><?xml version="1.0" encoding="utf-8"?>
+<p:sld xmlns:a="http://schemas.openxmlformats.org/drawingml/2006/main" xmlns:r="http://schemas.openxmlformats.org/officeDocument/2006/relationships" xmlns:p="http://schemas.openxmlformats.org/presentationml/2006/main">
+  <p:cSld>
+    <p:spTree>
+      <p:nvGrpSpPr>
+        <p:cNvPr id="1" name=""/>
+        <p:cNvGrpSpPr/>
+        <p:nvPr/>
+      </p:nvGrpSpPr>
+      <p:grpSpPr>
+        <a:xfrm>
+          <a:off x="0" y="0"/>
+          <a:ext cx="0" cy="0"/>
+          <a:chOff x="0" y="0"/>
+          <a:chExt cx="0" cy="0"/>
+        </a:xfrm>
+      </p:grpSpPr>
+      <p:sp>
+        <p:nvSpPr>
+          <p:cNvPr id="2" name="Titel 1"/>
+          <p:cNvSpPr>
+            <a:spLocks noGrp="1"/>
+          </p:cNvSpPr>
+          <p:nvPr>
+            <p:ph type="title"/>
+          </p:nvPr>
+        </p:nvSpPr>
+        <p:spPr/>
+        <p:txBody>
+          <a:bodyPr>
+            <a:normAutofit fontScale="90000"/>
+          </a:bodyPr>
+          <a:lstStyle/>
+          <a:p>
+            <a:r>
+              <a:rPr lang="en-GB" dirty="0"/>
+              <a:t>Message Exchange – pull-push</a:t>
+            </a:r>
+            <a:br>
+              <a:rPr lang="en-GB" dirty="0"/>
+            </a:br>
+            <a:r>
+              <a:rPr lang="en-GB" sz="2700" dirty="0"/>
+              <a:t>without bundling</a:t>
+            </a:r>
+          </a:p>
+        </p:txBody>
+      </p:sp>
+      <p:sp>
+        <p:nvSpPr>
+          <p:cNvPr id="3" name="Rechteck 2"/>
+          <p:cNvSpPr/>
+          <p:nvPr/>
+        </p:nvSpPr>
+        <p:spPr>
+          <a:xfrm>
+            <a:off x="2051720" y="2492896"/>
+            <a:ext cx="1296144" cy="432048"/>
+          </a:xfrm>
+          <a:prstGeom prst="rect">
+            <a:avLst/>
+          </a:prstGeom>
+        </p:spPr>
+        <p:style>
+          <a:lnRef idx="2">
+            <a:schemeClr val="accent1">
+              <a:shade val="50000"/>
+            </a:schemeClr>
+          </a:lnRef>
+          <a:fillRef idx="1">
+            <a:schemeClr val="accent1"/>
+          </a:fillRef>
+          <a:effectRef idx="0">
+            <a:schemeClr val="accent1"/>
+          </a:effectRef>
+          <a:fontRef idx="minor">
+            <a:schemeClr val="lt1"/>
+          </a:fontRef>
+        </p:style>
+        <p:txBody>
+          <a:bodyPr rtlCol="0" anchor="ctr"/>
+          <a:lstStyle/>
+          <a:p>
+            <a:pPr algn="ctr"/>
+            <a:r>
+              <a:rPr lang="en-GB" dirty="0">
+                <a:solidFill>
+                  <a:prstClr val="white"/>
+                </a:solidFill>
+              </a:rPr>
+              <a:t>C2</a:t>
+            </a:r>
+          </a:p>
+        </p:txBody>
+      </p:sp>
+      <p:sp>
+        <p:nvSpPr>
+          <p:cNvPr id="4" name="Rechteck 3"/>
+          <p:cNvSpPr/>
+          <p:nvPr/>
+        </p:nvSpPr>
+        <p:spPr>
+          <a:xfrm>
+            <a:off x="5364088" y="2492896"/>
+            <a:ext cx="1296144" cy="432048"/>
+          </a:xfrm>
+          <a:prstGeom prst="rect">
+            <a:avLst/>
+          </a:prstGeom>
+        </p:spPr>
+        <p:style>
+          <a:lnRef idx="2">
+            <a:schemeClr val="accent1">
+              <a:shade val="50000"/>
+            </a:schemeClr>
+          </a:lnRef>
+          <a:fillRef idx="1">
+            <a:schemeClr val="accent1"/>
+          </a:fillRef>
+          <a:effectRef idx="0">
+            <a:schemeClr val="accent1"/>
+          </a:effectRef>
+          <a:fontRef idx="minor">
+            <a:schemeClr val="lt1"/>
+          </a:fontRef>
+        </p:style>
+        <p:txBody>
+          <a:bodyPr rtlCol="0" anchor="ctr"/>
+          <a:lstStyle/>
+          <a:p>
+            <a:pPr algn="ctr"/>
+            <a:r>
+              <a:rPr lang="en-GB" dirty="0">
+                <a:solidFill>
+                  <a:prstClr val="white"/>
+                </a:solidFill>
+              </a:rPr>
+              <a:t>C3</a:t>
+            </a:r>
           </a:p>
         </p:txBody>
       </p:sp>
       <p:cxnSp>
         <p:nvCxnSpPr>
-          <p:cNvPr id="21" name="Gerade Verbindung mit Pfeil 18"/>
+          <p:cNvPr id="5" name="Gerade Verbindung 4"/>
           <p:cNvCxnSpPr/>
           <p:nvPr/>
         </p:nvCxnSpPr>
         <p:spPr>
-          <a:xfrm flipH="1">
-            <a:off x="2690779" y="4208312"/>
-            <a:ext cx="3312368" cy="0"/>
-          </a:xfrm>
-          <a:prstGeom prst="straightConnector1">
-            <a:avLst/>
-          </a:prstGeom>
-          <a:ln>
-            <a:headEnd type="arrow"/>
-            <a:tailEnd type="none"/>
-          </a:ln>
+          <a:xfrm>
+            <a:off x="6012160" y="2996952"/>
+            <a:ext cx="0" cy="2520280"/>
+          </a:xfrm>
+          <a:prstGeom prst="line">
+            <a:avLst/>
+          </a:prstGeom>
         </p:spPr>
         <p:style>
           <a:lnRef idx="1">
@@ -4403,16 +4720,79 @@
           </a:fontRef>
         </p:style>
       </p:cxnSp>
-      <p:sp>
-        <p:nvSpPr>
-          <p:cNvPr id="22" name="Textfeld 19"/>
+      <p:cxnSp>
+        <p:nvCxnSpPr>
+          <p:cNvPr id="13" name="Gerade Verbindung 12"/>
+          <p:cNvCxnSpPr/>
+          <p:nvPr/>
+        </p:nvCxnSpPr>
+        <p:spPr>
+          <a:xfrm>
+            <a:off x="2699792" y="2996952"/>
+            <a:ext cx="0" cy="2520280"/>
+          </a:xfrm>
+          <a:prstGeom prst="line">
+            <a:avLst/>
+          </a:prstGeom>
+        </p:spPr>
+        <p:style>
+          <a:lnRef idx="1">
+            <a:schemeClr val="accent1"/>
+          </a:lnRef>
+          <a:fillRef idx="0">
+            <a:schemeClr val="accent1"/>
+          </a:fillRef>
+          <a:effectRef idx="0">
+            <a:schemeClr val="accent1"/>
+          </a:effectRef>
+          <a:fontRef idx="minor">
+            <a:schemeClr val="tx1"/>
+          </a:fontRef>
+        </p:style>
+      </p:cxnSp>
+      <p:cxnSp>
+        <p:nvCxnSpPr>
+          <p:cNvPr id="15" name="Gerade Verbindung mit Pfeil 14"/>
+          <p:cNvCxnSpPr/>
+          <p:nvPr/>
+        </p:nvCxnSpPr>
+        <p:spPr>
+          <a:xfrm>
+            <a:off x="2699792" y="3356992"/>
+            <a:ext cx="3312368" cy="0"/>
+          </a:xfrm>
+          <a:prstGeom prst="straightConnector1">
+            <a:avLst/>
+          </a:prstGeom>
+          <a:ln>
+            <a:tailEnd type="arrow"/>
+          </a:ln>
+        </p:spPr>
+        <p:style>
+          <a:lnRef idx="1">
+            <a:schemeClr val="accent1"/>
+          </a:lnRef>
+          <a:fillRef idx="0">
+            <a:schemeClr val="accent1"/>
+          </a:fillRef>
+          <a:effectRef idx="0">
+            <a:schemeClr val="accent1"/>
+          </a:effectRef>
+          <a:fontRef idx="minor">
+            <a:schemeClr val="tx1"/>
+          </a:fontRef>
+        </p:style>
+      </p:cxnSp>
+      <p:sp>
+        <p:nvSpPr>
+          <p:cNvPr id="16" name="Textfeld 15"/>
           <p:cNvSpPr txBox="1"/>
           <p:nvPr/>
         </p:nvSpPr>
         <p:spPr>
           <a:xfrm>
-            <a:off x="3608143" y="3901697"/>
-            <a:ext cx="1615892" cy="369332"/>
+            <a:off x="3700079" y="3068960"/>
+            <a:ext cx="1343445" cy="369332"/>
           </a:xfrm>
           <a:prstGeom prst="rect">
             <a:avLst/>
@@ -4426,31 +4806,267 @@
           <a:lstStyle/>
           <a:p>
             <a:r>
-              <a:rPr lang="en-GB" dirty="0" smtClean="0">
+              <a:rPr lang="en-GB" dirty="0">
+                <a:solidFill>
+                  <a:prstClr val="black"/>
+                </a:solidFill>
+              </a:rPr>
+              <a:t>Pull Request</a:t>
+            </a:r>
+          </a:p>
+        </p:txBody>
+      </p:sp>
+      <p:cxnSp>
+        <p:nvCxnSpPr>
+          <p:cNvPr id="17" name="Gerade Verbindung mit Pfeil 16"/>
+          <p:cNvCxnSpPr/>
+          <p:nvPr/>
+        </p:nvCxnSpPr>
+        <p:spPr>
+          <a:xfrm flipH="1">
+            <a:off x="2699792" y="3789040"/>
+            <a:ext cx="3312368" cy="0"/>
+          </a:xfrm>
+          <a:prstGeom prst="straightConnector1">
+            <a:avLst/>
+          </a:prstGeom>
+          <a:ln>
+            <a:prstDash val="dash"/>
+            <a:tailEnd type="arrow"/>
+          </a:ln>
+        </p:spPr>
+        <p:style>
+          <a:lnRef idx="1">
+            <a:schemeClr val="accent1"/>
+          </a:lnRef>
+          <a:fillRef idx="0">
+            <a:schemeClr val="accent1"/>
+          </a:fillRef>
+          <a:effectRef idx="0">
+            <a:schemeClr val="accent1"/>
+          </a:effectRef>
+          <a:fontRef idx="minor">
+            <a:schemeClr val="tx1"/>
+          </a:fontRef>
+        </p:style>
+      </p:cxnSp>
+      <p:sp>
+        <p:nvSpPr>
+          <p:cNvPr id="18" name="Textfeld 17"/>
+          <p:cNvSpPr txBox="1"/>
+          <p:nvPr/>
+        </p:nvSpPr>
+        <p:spPr>
+          <a:xfrm>
+            <a:off x="3624000" y="3501008"/>
+            <a:ext cx="1495602" cy="369332"/>
+          </a:xfrm>
+          <a:prstGeom prst="rect">
+            <a:avLst/>
+          </a:prstGeom>
+          <a:noFill/>
+        </p:spPr>
+        <p:txBody>
+          <a:bodyPr wrap="none" rtlCol="0">
+            <a:spAutoFit/>
+          </a:bodyPr>
+          <a:lstStyle/>
+          <a:p>
+            <a:r>
+              <a:rPr lang="en-GB" dirty="0">
+                <a:solidFill>
+                  <a:prstClr val="black"/>
+                </a:solidFill>
+              </a:rPr>
+              <a:t>User Message</a:t>
+            </a:r>
+          </a:p>
+        </p:txBody>
+      </p:sp>
+      <p:cxnSp>
+        <p:nvCxnSpPr>
+          <p:cNvPr id="19" name="Gerade Verbindung mit Pfeil 18"/>
+          <p:cNvCxnSpPr/>
+          <p:nvPr/>
+        </p:nvCxnSpPr>
+        <p:spPr>
+          <a:xfrm flipH="1">
+            <a:off x="2699792" y="4864299"/>
+            <a:ext cx="3312368" cy="0"/>
+          </a:xfrm>
+          <a:prstGeom prst="straightConnector1">
+            <a:avLst/>
+          </a:prstGeom>
+          <a:ln>
+            <a:headEnd type="arrow"/>
+            <a:tailEnd type="none"/>
+          </a:ln>
+        </p:spPr>
+        <p:style>
+          <a:lnRef idx="1">
+            <a:schemeClr val="accent1"/>
+          </a:lnRef>
+          <a:fillRef idx="0">
+            <a:schemeClr val="accent1"/>
+          </a:fillRef>
+          <a:effectRef idx="0">
+            <a:schemeClr val="accent1"/>
+          </a:effectRef>
+          <a:fontRef idx="minor">
+            <a:schemeClr val="tx1"/>
+          </a:fontRef>
+        </p:style>
+      </p:cxnSp>
+      <p:sp>
+        <p:nvSpPr>
+          <p:cNvPr id="20" name="Textfeld 19"/>
+          <p:cNvSpPr txBox="1"/>
+          <p:nvPr/>
+        </p:nvSpPr>
+        <p:spPr>
+          <a:xfrm>
+            <a:off x="3617156" y="4557684"/>
+            <a:ext cx="1495666" cy="369332"/>
+          </a:xfrm>
+          <a:prstGeom prst="rect">
+            <a:avLst/>
+          </a:prstGeom>
+          <a:noFill/>
+        </p:spPr>
+        <p:txBody>
+          <a:bodyPr wrap="none" rtlCol="0">
+            <a:spAutoFit/>
+          </a:bodyPr>
+          <a:lstStyle/>
+          <a:p>
+            <a:r>
+              <a:rPr lang="en-GB">
+                <a:solidFill>
+                  <a:prstClr val="black"/>
+                </a:solidFill>
+              </a:rPr>
+              <a:t>User Message</a:t>
+            </a:r>
+            <a:endParaRPr lang="en-GB" dirty="0">
+              <a:solidFill>
+                <a:prstClr val="black"/>
+              </a:solidFill>
+            </a:endParaRPr>
+          </a:p>
+        </p:txBody>
+      </p:sp>
+      <p:cxnSp>
+        <p:nvCxnSpPr>
+          <p:cNvPr id="25" name="Gerade Verbindung mit Pfeil 24"/>
+          <p:cNvCxnSpPr/>
+          <p:nvPr/>
+        </p:nvCxnSpPr>
+        <p:spPr>
+          <a:xfrm>
+            <a:off x="2699792" y="5296347"/>
+            <a:ext cx="3312368" cy="0"/>
+          </a:xfrm>
+          <a:prstGeom prst="straightConnector1">
+            <a:avLst/>
+          </a:prstGeom>
+          <a:ln>
+            <a:prstDash val="dash"/>
+            <a:headEnd type="arrow"/>
+            <a:tailEnd type="none"/>
+          </a:ln>
+        </p:spPr>
+        <p:style>
+          <a:lnRef idx="1">
+            <a:schemeClr val="accent1"/>
+          </a:lnRef>
+          <a:fillRef idx="0">
+            <a:schemeClr val="accent1"/>
+          </a:fillRef>
+          <a:effectRef idx="0">
+            <a:schemeClr val="accent1"/>
+          </a:effectRef>
+          <a:fontRef idx="minor">
+            <a:schemeClr val="tx1"/>
+          </a:fontRef>
+        </p:style>
+      </p:cxnSp>
+      <p:sp>
+        <p:nvSpPr>
+          <p:cNvPr id="26" name="Textfeld 25"/>
+          <p:cNvSpPr txBox="1"/>
+          <p:nvPr/>
+        </p:nvSpPr>
+        <p:spPr>
+          <a:xfrm>
+            <a:off x="3563888" y="5008315"/>
+            <a:ext cx="1615827" cy="369332"/>
+          </a:xfrm>
+          <a:prstGeom prst="rect">
+            <a:avLst/>
+          </a:prstGeom>
+          <a:noFill/>
+        </p:spPr>
+        <p:txBody>
+          <a:bodyPr wrap="none" rtlCol="0">
+            <a:spAutoFit/>
+          </a:bodyPr>
+          <a:lstStyle/>
+          <a:p>
+            <a:r>
+              <a:rPr lang="en-GB" dirty="0">
                 <a:solidFill>
                   <a:prstClr val="black"/>
                 </a:solidFill>
               </a:rPr>
               <a:t>Signal Message</a:t>
             </a:r>
-            <a:endParaRPr lang="en-GB" dirty="0">
-              <a:solidFill>
-                <a:prstClr val="black"/>
-              </a:solidFill>
-            </a:endParaRPr>
-          </a:p>
-        </p:txBody>
-      </p:sp>
-      <p:sp>
-        <p:nvSpPr>
-          <p:cNvPr id="23" name="TextBox 22"/>
+          </a:p>
+        </p:txBody>
+      </p:sp>
+      <p:cxnSp>
+        <p:nvCxnSpPr>
+          <p:cNvPr id="21" name="Gerade Verbindung mit Pfeil 18"/>
+          <p:cNvCxnSpPr/>
+          <p:nvPr/>
+        </p:nvCxnSpPr>
+        <p:spPr>
+          <a:xfrm flipH="1">
+            <a:off x="2690779" y="4208312"/>
+            <a:ext cx="3312368" cy="0"/>
+          </a:xfrm>
+          <a:prstGeom prst="straightConnector1">
+            <a:avLst/>
+          </a:prstGeom>
+          <a:ln>
+            <a:headEnd type="arrow"/>
+            <a:tailEnd type="none"/>
+          </a:ln>
+        </p:spPr>
+        <p:style>
+          <a:lnRef idx="1">
+            <a:schemeClr val="accent1"/>
+          </a:lnRef>
+          <a:fillRef idx="0">
+            <a:schemeClr val="accent1"/>
+          </a:fillRef>
+          <a:effectRef idx="0">
+            <a:schemeClr val="accent1"/>
+          </a:effectRef>
+          <a:fontRef idx="minor">
+            <a:schemeClr val="tx1"/>
+          </a:fontRef>
+        </p:style>
+      </p:cxnSp>
+      <p:sp>
+        <p:nvSpPr>
+          <p:cNvPr id="22" name="Textfeld 19"/>
           <p:cNvSpPr txBox="1"/>
           <p:nvPr/>
         </p:nvSpPr>
         <p:spPr>
           <a:xfrm>
-            <a:off x="2221584" y="2051556"/>
-            <a:ext cx="956416" cy="369332"/>
+            <a:off x="3608143" y="3901697"/>
+            <a:ext cx="1615892" cy="369332"/>
           </a:xfrm>
           <a:prstGeom prst="rect">
             <a:avLst/>
@@ -4464,23 +5080,26 @@
           <a:lstStyle/>
           <a:p>
             <a:r>
-              <a:rPr lang="en-US" b="1" dirty="0" smtClean="0"/>
-              <a:t>Initiator</a:t>
-            </a:r>
-            <a:endParaRPr lang="en-US" b="1" dirty="0"/>
-          </a:p>
-        </p:txBody>
-      </p:sp>
-      <p:sp>
-        <p:nvSpPr>
-          <p:cNvPr id="24" name="TextBox 23"/>
+              <a:rPr lang="en-GB" dirty="0">
+                <a:solidFill>
+                  <a:prstClr val="black"/>
+                </a:solidFill>
+              </a:rPr>
+              <a:t>Signal Message</a:t>
+            </a:r>
+          </a:p>
+        </p:txBody>
+      </p:sp>
+      <p:sp>
+        <p:nvSpPr>
+          <p:cNvPr id="23" name="TextBox 22"/>
           <p:cNvSpPr txBox="1"/>
           <p:nvPr/>
         </p:nvSpPr>
         <p:spPr>
           <a:xfrm>
-            <a:off x="5407667" y="2051556"/>
-            <a:ext cx="1208985" cy="369332"/>
+            <a:off x="2221584" y="2051556"/>
+            <a:ext cx="956416" cy="369332"/>
           </a:xfrm>
           <a:prstGeom prst="rect">
             <a:avLst/>
@@ -4494,23 +5113,22 @@
           <a:lstStyle/>
           <a:p>
             <a:r>
-              <a:rPr lang="en-US" b="1" smtClean="0"/>
-              <a:t>Responder</a:t>
-            </a:r>
-            <a:endParaRPr lang="en-US" b="1" dirty="0"/>
-          </a:p>
-        </p:txBody>
-      </p:sp>
-      <p:sp>
-        <p:nvSpPr>
-          <p:cNvPr id="27" name="TextBox 26"/>
+              <a:rPr lang="en-US" b="1" dirty="0"/>
+              <a:t>Initiator</a:t>
+            </a:r>
+          </a:p>
+        </p:txBody>
+      </p:sp>
+      <p:sp>
+        <p:nvSpPr>
+          <p:cNvPr id="24" name="TextBox 23"/>
           <p:cNvSpPr txBox="1"/>
           <p:nvPr/>
         </p:nvSpPr>
         <p:spPr>
           <a:xfrm>
-            <a:off x="1782681" y="4874966"/>
-            <a:ext cx="845103" cy="369332"/>
+            <a:off x="5407667" y="2051556"/>
+            <a:ext cx="1208985" cy="369332"/>
           </a:xfrm>
           <a:prstGeom prst="rect">
             <a:avLst/>
@@ -4524,18 +5142,43 @@
           <a:lstStyle/>
           <a:p>
             <a:r>
-              <a:rPr lang="en-US" i="1" dirty="0" smtClean="0">
+              <a:rPr lang="en-US" b="1"/>
+              <a:t>Responder</a:t>
+            </a:r>
+            <a:endParaRPr lang="en-US" b="1" dirty="0"/>
+          </a:p>
+        </p:txBody>
+      </p:sp>
+      <p:sp>
+        <p:nvSpPr>
+          <p:cNvPr id="27" name="TextBox 26"/>
+          <p:cNvSpPr txBox="1"/>
+          <p:nvPr/>
+        </p:nvSpPr>
+        <p:spPr>
+          <a:xfrm>
+            <a:off x="1782681" y="4874966"/>
+            <a:ext cx="845103" cy="369332"/>
+          </a:xfrm>
+          <a:prstGeom prst="rect">
+            <a:avLst/>
+          </a:prstGeom>
+          <a:noFill/>
+        </p:spPr>
+        <p:txBody>
+          <a:bodyPr wrap="none" rtlCol="0">
+            <a:spAutoFit/>
+          </a:bodyPr>
+          <a:lstStyle/>
+          <a:p>
+            <a:r>
+              <a:rPr lang="en-US" i="1" dirty="0">
                 <a:latin typeface="Times New Roman" charset="0"/>
                 <a:ea typeface="Times New Roman" charset="0"/>
                 <a:cs typeface="Times New Roman" charset="0"/>
               </a:rPr>
               <a:t>Sender</a:t>
             </a:r>
-            <a:endParaRPr lang="en-US" i="1" dirty="0">
-              <a:latin typeface="Times New Roman" charset="0"/>
-              <a:ea typeface="Times New Roman" charset="0"/>
-              <a:cs typeface="Times New Roman" charset="0"/>
-            </a:endParaRPr>
           </a:p>
         </p:txBody>
       </p:sp>
@@ -4562,18 +5205,13 @@
           <a:lstStyle/>
           <a:p>
             <a:r>
-              <a:rPr lang="en-US" i="1" dirty="0" smtClean="0">
+              <a:rPr lang="en-US" i="1" dirty="0">
                 <a:latin typeface="Times New Roman" charset="0"/>
                 <a:ea typeface="Times New Roman" charset="0"/>
                 <a:cs typeface="Times New Roman" charset="0"/>
               </a:rPr>
               <a:t>Receiver</a:t>
             </a:r>
-            <a:endParaRPr lang="en-US" i="1" dirty="0">
-              <a:latin typeface="Times New Roman" charset="0"/>
-              <a:ea typeface="Times New Roman" charset="0"/>
-              <a:cs typeface="Times New Roman" charset="0"/>
-            </a:endParaRPr>
           </a:p>
         </p:txBody>
       </p:sp>
@@ -4600,18 +5238,13 @@
           <a:lstStyle/>
           <a:p>
             <a:r>
-              <a:rPr lang="en-US" i="1" dirty="0" smtClean="0">
+              <a:rPr lang="en-US" i="1" dirty="0">
                 <a:latin typeface="Times New Roman" charset="0"/>
                 <a:ea typeface="Times New Roman" charset="0"/>
                 <a:cs typeface="Times New Roman" charset="0"/>
               </a:rPr>
               <a:t>Receiver</a:t>
             </a:r>
-            <a:endParaRPr lang="en-US" i="1" dirty="0">
-              <a:latin typeface="Times New Roman" charset="0"/>
-              <a:ea typeface="Times New Roman" charset="0"/>
-              <a:cs typeface="Times New Roman" charset="0"/>
-            </a:endParaRPr>
           </a:p>
         </p:txBody>
       </p:sp>
@@ -4638,18 +5271,13 @@
           <a:lstStyle/>
           <a:p>
             <a:r>
-              <a:rPr lang="en-US" i="1" dirty="0" smtClean="0">
+              <a:rPr lang="en-US" i="1" dirty="0">
                 <a:latin typeface="Times New Roman" charset="0"/>
                 <a:ea typeface="Times New Roman" charset="0"/>
                 <a:cs typeface="Times New Roman" charset="0"/>
               </a:rPr>
               <a:t>Sender</a:t>
             </a:r>
-            <a:endParaRPr lang="en-US" i="1" dirty="0">
-              <a:latin typeface="Times New Roman" charset="0"/>
-              <a:ea typeface="Times New Roman" charset="0"/>
-              <a:cs typeface="Times New Roman" charset="0"/>
-            </a:endParaRPr>
           </a:p>
         </p:txBody>
       </p:sp>
@@ -4721,7 +5349,6 @@
               <a:rPr lang="de-AT" dirty="0"/>
               <a:t>AS2 S/MIME Message</a:t>
             </a:r>
-            <a:endParaRPr lang="de-AT" dirty="0"/>
           </a:p>
         </p:txBody>
       </p:sp>
@@ -4760,10 +5387,9 @@
           <a:p>
             <a:pPr algn="ctr"/>
             <a:r>
-              <a:rPr lang="en-GB" dirty="0" smtClean="0"/>
+              <a:rPr lang="en-GB" dirty="0"/>
               <a:t>MIME Body</a:t>
             </a:r>
-            <a:endParaRPr lang="en-GB" dirty="0"/>
           </a:p>
         </p:txBody>
       </p:sp>
@@ -4802,14 +5428,9 @@
           <a:p>
             <a:pPr algn="ctr"/>
             <a:r>
-              <a:rPr lang="de-AT" dirty="0" smtClean="0"/>
-              <a:t> AS2 </a:t>
-            </a:r>
-            <a:r>
-              <a:rPr lang="de-AT" dirty="0" smtClean="0"/>
-              <a:t>S/MIME Message</a:t>
-            </a:r>
-            <a:endParaRPr lang="de-AT" dirty="0"/>
+              <a:rPr lang="de-AT" dirty="0"/>
+              <a:t> AS2 S/MIME Message</a:t>
+            </a:r>
           </a:p>
         </p:txBody>
       </p:sp>
@@ -4848,18 +5469,17 @@
           <a:p>
             <a:pPr algn="ctr"/>
             <a:r>
-              <a:rPr lang="de-AT" dirty="0" smtClean="0"/>
+              <a:rPr lang="de-AT" dirty="0"/>
               <a:t>Standard Business </a:t>
             </a:r>
             <a:r>
-              <a:rPr lang="de-AT" dirty="0" err="1" smtClean="0"/>
+              <a:rPr lang="de-AT" dirty="0" err="1"/>
               <a:t>Document</a:t>
             </a:r>
             <a:r>
-              <a:rPr lang="de-AT" dirty="0" smtClean="0"/>
+              <a:rPr lang="de-AT" dirty="0"/>
               <a:t> Header</a:t>
             </a:r>
-            <a:endParaRPr lang="de-AT" dirty="0"/>
           </a:p>
         </p:txBody>
       </p:sp>
@@ -4898,11 +5518,11 @@
           <a:p>
             <a:pPr algn="ctr"/>
             <a:r>
-              <a:rPr lang="de-AT" dirty="0" smtClean="0"/>
+              <a:rPr lang="de-AT" dirty="0"/>
               <a:t>UBL-</a:t>
             </a:r>
             <a:r>
-              <a:rPr lang="de-AT" dirty="0" err="1" smtClean="0"/>
+              <a:rPr lang="de-AT" dirty="0" err="1"/>
               <a:t>Document</a:t>
             </a:r>
             <a:endParaRPr lang="de-AT" dirty="0"/>
@@ -4932,22 +5552,21 @@
           <a:lstStyle/>
           <a:p>
             <a:r>
-              <a:rPr lang="de-AT" i="1" dirty="0" err="1" smtClean="0"/>
+              <a:rPr lang="de-AT" i="1" dirty="0" err="1"/>
               <a:t>Invoice</a:t>
             </a:r>
             <a:r>
-              <a:rPr lang="de-AT" i="1" dirty="0" smtClean="0"/>
+              <a:rPr lang="de-AT" i="1" dirty="0"/>
               <a:t>, Order, </a:t>
             </a:r>
             <a:r>
-              <a:rPr lang="de-AT" i="1" dirty="0" err="1" smtClean="0"/>
+              <a:rPr lang="de-AT" i="1" dirty="0" err="1"/>
               <a:t>DespatchAdvice</a:t>
             </a:r>
             <a:r>
-              <a:rPr lang="de-AT" i="1" dirty="0" smtClean="0"/>
+              <a:rPr lang="de-AT" i="1" dirty="0"/>
               <a:t> etc.</a:t>
             </a:r>
-            <a:endParaRPr lang="de-AT" i="1" dirty="0"/>
           </a:p>
         </p:txBody>
       </p:sp>
@@ -4986,10 +5605,9 @@
           <a:p>
             <a:pPr algn="ctr"/>
             <a:r>
-              <a:rPr lang="en-GB" dirty="0" smtClean="0"/>
+              <a:rPr lang="en-GB" dirty="0"/>
               <a:t>MIME Header</a:t>
             </a:r>
-            <a:endParaRPr lang="en-GB" dirty="0"/>
           </a:p>
         </p:txBody>
       </p:sp>
@@ -5028,11 +5646,11 @@
           <a:p>
             <a:pPr algn="ctr"/>
             <a:r>
-              <a:rPr lang="de-AT" dirty="0" smtClean="0"/>
+              <a:rPr lang="de-AT" dirty="0"/>
               <a:t>S/MIME </a:t>
             </a:r>
             <a:r>
-              <a:rPr lang="de-AT" dirty="0" err="1" smtClean="0"/>
+              <a:rPr lang="de-AT" dirty="0" err="1"/>
               <a:t>Signature</a:t>
             </a:r>
             <a:endParaRPr lang="de-AT" dirty="0"/>
@@ -5074,20 +5692,12 @@
           <a:p>
             <a:pPr algn="ctr"/>
             <a:r>
-              <a:rPr lang="en-GB" sz="1200" dirty="0" smtClean="0">
-                <a:solidFill>
-                  <a:schemeClr val="dk1"/>
-                </a:solidFill>
-              </a:rPr>
-              <a:t>body </a:t>
-            </a:r>
-            <a:r>
               <a:rPr lang="en-GB" sz="1200" dirty="0">
                 <a:solidFill>
                   <a:schemeClr val="dk1"/>
                 </a:solidFill>
               </a:rPr>
-              <a:t>part</a:t>
+              <a:t>body part</a:t>
             </a:r>
           </a:p>
         </p:txBody>
@@ -5127,20 +5737,12 @@
           <a:p>
             <a:pPr algn="ctr"/>
             <a:r>
-              <a:rPr lang="en-GB" sz="1200" dirty="0" smtClean="0">
-                <a:solidFill>
-                  <a:schemeClr val="dk1"/>
-                </a:solidFill>
-              </a:rPr>
-              <a:t>body </a:t>
-            </a:r>
-            <a:r>
               <a:rPr lang="en-GB" sz="1200" dirty="0">
                 <a:solidFill>
                   <a:schemeClr val="dk1"/>
                 </a:solidFill>
               </a:rPr>
-              <a:t>part</a:t>
+              <a:t>body part</a:t>
             </a:r>
           </a:p>
         </p:txBody>
@@ -5210,14 +5812,9 @@
           <a:p>
             <a:pPr algn="ctr"/>
             <a:r>
-              <a:rPr lang="en-GB" dirty="0" smtClean="0"/>
-              <a:t>SOAP </a:t>
-            </a:r>
-            <a:r>
-              <a:rPr lang="en-GB" dirty="0" smtClean="0"/>
-              <a:t>Envelope</a:t>
-            </a:r>
-            <a:endParaRPr lang="en-GB" dirty="0"/>
+              <a:rPr lang="en-GB" dirty="0"/>
+              <a:t>SOAP Envelope</a:t>
+            </a:r>
           </a:p>
         </p:txBody>
       </p:sp>
@@ -5256,10 +5853,9 @@
           <a:p>
             <a:pPr algn="ctr"/>
             <a:r>
-              <a:rPr lang="en-GB" dirty="0" smtClean="0"/>
+              <a:rPr lang="en-GB" dirty="0"/>
               <a:t>SOAP Header</a:t>
             </a:r>
-            <a:endParaRPr lang="en-GB" dirty="0"/>
           </a:p>
         </p:txBody>
       </p:sp>
@@ -5298,10 +5894,9 @@
           <a:p>
             <a:pPr algn="ctr"/>
             <a:r>
-              <a:rPr lang="en-GB" dirty="0" smtClean="0"/>
+              <a:rPr lang="en-GB" dirty="0"/>
               <a:t>SOAP Body</a:t>
             </a:r>
-            <a:endParaRPr lang="en-GB" dirty="0"/>
           </a:p>
         </p:txBody>
       </p:sp>
@@ -5340,10 +5935,9 @@
           <a:p>
             <a:pPr algn="ctr"/>
             <a:r>
-              <a:rPr lang="en-GB" dirty="0" smtClean="0"/>
+              <a:rPr lang="en-GB" dirty="0"/>
               <a:t>SBDH/UBL Document</a:t>
             </a:r>
-            <a:endParaRPr lang="en-GB" dirty="0"/>
           </a:p>
         </p:txBody>
       </p:sp>
@@ -5382,10 +5976,9 @@
           <a:p>
             <a:pPr algn="ctr"/>
             <a:r>
-              <a:rPr lang="en-GB" dirty="0" smtClean="0"/>
+              <a:rPr lang="en-GB" dirty="0"/>
               <a:t>AS4 User Message</a:t>
             </a:r>
-            <a:endParaRPr lang="en-GB" dirty="0"/>
           </a:p>
         </p:txBody>
       </p:sp>
@@ -5449,14 +6042,9 @@
           <a:p>
             <a:pPr algn="ctr"/>
             <a:r>
-              <a:rPr lang="en-GB" dirty="0" smtClean="0"/>
-              <a:t>MIME </a:t>
-            </a:r>
-            <a:r>
-              <a:rPr lang="en-GB" dirty="0" smtClean="0"/>
-              <a:t>Message/SOAP with Attachments</a:t>
-            </a:r>
-            <a:endParaRPr lang="en-GB" dirty="0"/>
+              <a:rPr lang="en-GB" dirty="0"/>
+              <a:t>MIME Message/SOAP with Attachments</a:t>
+            </a:r>
           </a:p>
         </p:txBody>
       </p:sp>
@@ -5495,10 +6083,9 @@
           <a:p>
             <a:pPr algn="ctr"/>
             <a:r>
-              <a:rPr lang="en-GB" dirty="0" smtClean="0"/>
+              <a:rPr lang="en-GB" dirty="0"/>
               <a:t>MIME Header</a:t>
             </a:r>
-            <a:endParaRPr lang="en-GB" dirty="0"/>
           </a:p>
         </p:txBody>
       </p:sp>
@@ -5537,10 +6124,9 @@
           <a:p>
             <a:pPr algn="ctr"/>
             <a:r>
-              <a:rPr lang="en-GB" dirty="0" smtClean="0"/>
+              <a:rPr lang="en-GB" dirty="0"/>
               <a:t>MIME Body</a:t>
             </a:r>
-            <a:endParaRPr lang="en-GB" dirty="0"/>
           </a:p>
         </p:txBody>
       </p:sp>
@@ -5579,14 +6165,9 @@
           <a:p>
             <a:pPr algn="ctr"/>
             <a:r>
-              <a:rPr lang="en-GB" dirty="0" smtClean="0"/>
-              <a:t>SOAP </a:t>
-            </a:r>
-            <a:r>
-              <a:rPr lang="en-GB" dirty="0" smtClean="0"/>
-              <a:t>Envelope</a:t>
-            </a:r>
-            <a:endParaRPr lang="en-GB" dirty="0"/>
+              <a:rPr lang="en-GB" dirty="0"/>
+              <a:t>SOAP Envelope</a:t>
+            </a:r>
           </a:p>
         </p:txBody>
       </p:sp>
@@ -5625,10 +6206,9 @@
           <a:p>
             <a:pPr algn="ctr"/>
             <a:r>
-              <a:rPr lang="en-GB" dirty="0" smtClean="0"/>
+              <a:rPr lang="en-GB" dirty="0"/>
               <a:t>SOAP Header</a:t>
             </a:r>
-            <a:endParaRPr lang="en-GB" dirty="0"/>
           </a:p>
         </p:txBody>
       </p:sp>
@@ -5667,18 +6247,18 @@
           <a:p>
             <a:pPr algn="ctr"/>
             <a:r>
-              <a:rPr lang="en-GB" dirty="0" smtClean="0"/>
+              <a:rPr lang="en-GB" dirty="0"/>
               <a:t>SOAP Body</a:t>
             </a:r>
           </a:p>
           <a:p>
             <a:pPr algn="ctr"/>
             <a:r>
-              <a:rPr lang="en-GB" sz="1400" i="1" dirty="0" smtClean="0"/>
+              <a:rPr lang="en-GB" sz="1400" i="1" dirty="0"/>
               <a:t>may be empty </a:t>
             </a:r>
             <a:r>
-              <a:rPr lang="en-GB" sz="1400" i="1" smtClean="0"/>
+              <a:rPr lang="en-GB" sz="1400" i="1"/>
               <a:t>or contain SBDH/UBL</a:t>
             </a:r>
             <a:endParaRPr lang="en-GB" sz="1400" i="1" dirty="0"/>
@@ -5720,10 +6300,9 @@
           <a:p>
             <a:pPr algn="ctr"/>
             <a:r>
-              <a:rPr lang="en-GB" dirty="0" smtClean="0"/>
+              <a:rPr lang="en-GB" dirty="0"/>
               <a:t>AS4 User Message</a:t>
             </a:r>
-            <a:endParaRPr lang="en-GB" dirty="0"/>
           </a:p>
         </p:txBody>
       </p:sp>
@@ -5762,21 +6341,16 @@
           <a:p>
             <a:pPr algn="ctr"/>
             <a:r>
-              <a:rPr lang="en-GB" dirty="0" smtClean="0"/>
-              <a:t>SBDH/UBL </a:t>
-            </a:r>
-            <a:r>
-              <a:rPr lang="en-GB" dirty="0" smtClean="0"/>
-              <a:t>document</a:t>
+              <a:rPr lang="en-GB" dirty="0"/>
+              <a:t>SBDH/UBL document</a:t>
             </a:r>
             <a:br>
-              <a:rPr lang="en-GB" dirty="0" smtClean="0"/>
+              <a:rPr lang="en-GB" dirty="0"/>
             </a:br>
             <a:r>
-              <a:rPr lang="en-GB" sz="1600" i="1" dirty="0" smtClean="0"/>
+              <a:rPr lang="en-GB" sz="1600" i="1" dirty="0"/>
               <a:t>(if not in SOAP Body)</a:t>
             </a:r>
-            <a:endParaRPr lang="en-GB" sz="1600" i="1" dirty="0"/>
           </a:p>
         </p:txBody>
       </p:sp>
@@ -5815,14 +6389,13 @@
           <a:p>
             <a:pPr algn="ctr"/>
             <a:r>
-              <a:rPr lang="en-GB" dirty="0" smtClean="0"/>
+              <a:rPr lang="en-GB" dirty="0"/>
               <a:t>Attachment </a:t>
             </a:r>
             <a:r>
-              <a:rPr lang="en-GB" i="1" dirty="0" smtClean="0"/>
+              <a:rPr lang="en-GB" i="1" dirty="0"/>
               <a:t>0..n</a:t>
             </a:r>
-            <a:endParaRPr lang="en-GB" i="1" dirty="0"/>
           </a:p>
         </p:txBody>
       </p:sp>
@@ -5861,10 +6434,9 @@
           <a:p>
             <a:pPr algn="ctr"/>
             <a:r>
-              <a:rPr lang="en-GB" dirty="0" smtClean="0"/>
+              <a:rPr lang="en-GB" dirty="0"/>
               <a:t>WS-Security Header</a:t>
             </a:r>
-            <a:endParaRPr lang="en-GB" dirty="0"/>
           </a:p>
         </p:txBody>
       </p:sp>
@@ -5903,20 +6475,12 @@
           <a:p>
             <a:pPr algn="ctr"/>
             <a:r>
-              <a:rPr lang="en-GB" sz="1200" dirty="0" smtClean="0">
-                <a:solidFill>
-                  <a:schemeClr val="dk1"/>
-                </a:solidFill>
-              </a:rPr>
-              <a:t>body </a:t>
-            </a:r>
-            <a:r>
               <a:rPr lang="en-GB" sz="1200" dirty="0">
                 <a:solidFill>
                   <a:schemeClr val="dk1"/>
                 </a:solidFill>
               </a:rPr>
-              <a:t>part</a:t>
+              <a:t>body part</a:t>
             </a:r>
           </a:p>
         </p:txBody>
@@ -5956,20 +6520,12 @@
           <a:p>
             <a:pPr algn="ctr"/>
             <a:r>
-              <a:rPr lang="en-GB" sz="1200" dirty="0" smtClean="0">
-                <a:solidFill>
-                  <a:schemeClr val="dk1"/>
-                </a:solidFill>
-              </a:rPr>
-              <a:t>body </a:t>
-            </a:r>
-            <a:r>
               <a:rPr lang="en-GB" sz="1200" dirty="0">
                 <a:solidFill>
                   <a:schemeClr val="dk1"/>
                 </a:solidFill>
               </a:rPr>
-              <a:t>part</a:t>
+              <a:t>body part</a:t>
             </a:r>
           </a:p>
         </p:txBody>
@@ -6009,20 +6565,12 @@
           <a:p>
             <a:pPr algn="ctr"/>
             <a:r>
-              <a:rPr lang="en-GB" sz="1200" dirty="0" smtClean="0">
-                <a:solidFill>
-                  <a:schemeClr val="dk1"/>
-                </a:solidFill>
-              </a:rPr>
-              <a:t>body </a:t>
-            </a:r>
-            <a:r>
               <a:rPr lang="en-GB" sz="1200" dirty="0">
                 <a:solidFill>
                   <a:schemeClr val="dk1"/>
                 </a:solidFill>
               </a:rPr>
-              <a:t>part</a:t>
+              <a:t>body part</a:t>
             </a:r>
           </a:p>
         </p:txBody>
@@ -6054,37 +6602,20 @@
       </p:grpSpPr>
       <p:sp>
         <p:nvSpPr>
-          <p:cNvPr id="2" name="Titel 1"/>
-          <p:cNvSpPr>
-            <a:spLocks noGrp="1"/>
-          </p:cNvSpPr>
-          <p:nvPr>
-            <p:ph type="title"/>
-          </p:nvPr>
-        </p:nvSpPr>
-        <p:spPr/>
-        <p:txBody>
-          <a:bodyPr/>
-          <a:lstStyle/>
-          <a:p>
-            <a:r>
-              <a:rPr lang="en-GB" dirty="0" smtClean="0"/>
-              <a:t>Message Exchange - push</a:t>
-            </a:r>
-            <a:endParaRPr lang="en-GB" dirty="0"/>
-          </a:p>
-        </p:txBody>
-      </p:sp>
-      <p:sp>
-        <p:nvSpPr>
-          <p:cNvPr id="3" name="Rechteck 2"/>
+          <p:cNvPr id="2" name="Rechteck 1">
+            <a:extLst>
+              <a:ext uri="{FF2B5EF4-FFF2-40B4-BE49-F238E27FC236}">
+                <a16:creationId xmlns:a16="http://schemas.microsoft.com/office/drawing/2014/main" id="{43C4ABB8-F50C-CE58-F48A-B1E6590557BD}"/>
+              </a:ext>
+            </a:extLst>
+          </p:cNvPr>
           <p:cNvSpPr/>
           <p:nvPr/>
         </p:nvSpPr>
         <p:spPr>
           <a:xfrm>
-            <a:off x="2051720" y="2492896"/>
-            <a:ext cx="1296144" cy="432048"/>
+            <a:off x="395534" y="404664"/>
+            <a:ext cx="4032450" cy="5328592"/>
           </a:xfrm>
           <a:prstGeom prst="rect">
             <a:avLst/>
@@ -6093,7 +6624,7 @@
         <p:style>
           <a:lnRef idx="2">
             <a:schemeClr val="accent1">
-              <a:shade val="50000"/>
+              <a:shade val="15000"/>
             </a:schemeClr>
           </a:lnRef>
           <a:fillRef idx="1">
@@ -6107,36 +6638,33 @@
           </a:fontRef>
         </p:style>
         <p:txBody>
-          <a:bodyPr rtlCol="0" anchor="ctr"/>
+          <a:bodyPr rtlCol="0" anchor="t"/>
           <a:lstStyle/>
           <a:p>
             <a:pPr algn="ctr"/>
             <a:r>
-              <a:rPr lang="en-GB" dirty="0" smtClean="0">
-                <a:solidFill>
-                  <a:prstClr val="white"/>
-                </a:solidFill>
-              </a:rPr>
-              <a:t>C2</a:t>
-            </a:r>
-            <a:endParaRPr lang="en-GB" dirty="0">
-              <a:solidFill>
-                <a:prstClr val="white"/>
-              </a:solidFill>
-            </a:endParaRPr>
-          </a:p>
-        </p:txBody>
-      </p:sp>
-      <p:sp>
-        <p:nvSpPr>
-          <p:cNvPr id="4" name="Rechteck 3"/>
+              <a:rPr lang="en-GB" dirty="0"/>
+              <a:t>phase4-peppol-standalone (Spring Boot)</a:t>
+            </a:r>
+          </a:p>
+        </p:txBody>
+      </p:sp>
+      <p:sp>
+        <p:nvSpPr>
+          <p:cNvPr id="3" name="Rechteck 2">
+            <a:extLst>
+              <a:ext uri="{FF2B5EF4-FFF2-40B4-BE49-F238E27FC236}">
+                <a16:creationId xmlns:a16="http://schemas.microsoft.com/office/drawing/2014/main" id="{16285B66-CC4E-AD88-FF8C-4904FC9C435C}"/>
+              </a:ext>
+            </a:extLst>
+          </p:cNvPr>
           <p:cNvSpPr/>
           <p:nvPr/>
         </p:nvSpPr>
         <p:spPr>
           <a:xfrm>
-            <a:off x="5364088" y="2492896"/>
-            <a:ext cx="1296144" cy="432048"/>
+            <a:off x="611559" y="836712"/>
+            <a:ext cx="3528393" cy="1440160"/>
           </a:xfrm>
           <a:prstGeom prst="rect">
             <a:avLst/>
@@ -6144,15 +6672,15 @@
         </p:spPr>
         <p:style>
           <a:lnRef idx="2">
-            <a:schemeClr val="accent1">
-              <a:shade val="50000"/>
+            <a:schemeClr val="accent2">
+              <a:shade val="15000"/>
             </a:schemeClr>
           </a:lnRef>
           <a:fillRef idx="1">
-            <a:schemeClr val="accent1"/>
+            <a:schemeClr val="accent2"/>
           </a:fillRef>
           <a:effectRef idx="0">
-            <a:schemeClr val="accent1"/>
+            <a:schemeClr val="accent2"/>
           </a:effectRef>
           <a:fontRef idx="minor">
             <a:schemeClr val="lt1"/>
@@ -6164,94 +6692,388 @@
           <a:p>
             <a:pPr algn="ctr"/>
             <a:r>
-              <a:rPr lang="en-GB" dirty="0" smtClean="0">
-                <a:solidFill>
-                  <a:prstClr val="white"/>
-                </a:solidFill>
-              </a:rPr>
-              <a:t>C3</a:t>
-            </a:r>
-            <a:endParaRPr lang="en-GB" dirty="0">
-              <a:solidFill>
-                <a:prstClr val="white"/>
-              </a:solidFill>
-            </a:endParaRPr>
-          </a:p>
-        </p:txBody>
-      </p:sp>
-      <p:cxnSp>
-        <p:nvCxnSpPr>
-          <p:cNvPr id="5" name="Gerade Verbindung 4"/>
-          <p:cNvCxnSpPr/>
-          <p:nvPr/>
-        </p:nvCxnSpPr>
-        <p:spPr>
-          <a:xfrm>
-            <a:off x="6012160" y="2996952"/>
-            <a:ext cx="0" cy="1368152"/>
-          </a:xfrm>
-          <a:prstGeom prst="line">
+              <a:rPr lang="en-GB" dirty="0"/>
+              <a:t>phase4 (production ready, general purpose AS4 library)</a:t>
+            </a:r>
+          </a:p>
+        </p:txBody>
+      </p:sp>
+      <p:sp>
+        <p:nvSpPr>
+          <p:cNvPr id="4" name="Rechteck 3">
+            <a:extLst>
+              <a:ext uri="{FF2B5EF4-FFF2-40B4-BE49-F238E27FC236}">
+                <a16:creationId xmlns:a16="http://schemas.microsoft.com/office/drawing/2014/main" id="{8CD6F4D2-FA25-014B-B4CA-8DA8D44A80D0}"/>
+              </a:ext>
+            </a:extLst>
+          </p:cNvPr>
+          <p:cNvSpPr/>
+          <p:nvPr/>
+        </p:nvSpPr>
+        <p:spPr>
+          <a:xfrm>
+            <a:off x="611559" y="2492896"/>
+            <a:ext cx="3528393" cy="936104"/>
+          </a:xfrm>
+          <a:prstGeom prst="rect">
             <a:avLst/>
           </a:prstGeom>
         </p:spPr>
         <p:style>
-          <a:lnRef idx="1">
-            <a:schemeClr val="accent1"/>
+          <a:lnRef idx="2">
+            <a:schemeClr val="accent1">
+              <a:shade val="15000"/>
+            </a:schemeClr>
           </a:lnRef>
-          <a:fillRef idx="0">
+          <a:fillRef idx="1">
             <a:schemeClr val="accent1"/>
           </a:fillRef>
           <a:effectRef idx="0">
             <a:schemeClr val="accent1"/>
           </a:effectRef>
           <a:fontRef idx="minor">
-            <a:schemeClr val="tx1"/>
+            <a:schemeClr val="lt1"/>
           </a:fontRef>
         </p:style>
-      </p:cxnSp>
-      <p:cxnSp>
-        <p:nvCxnSpPr>
-          <p:cNvPr id="6" name="Gerade Verbindung mit Pfeil 5"/>
-          <p:cNvCxnSpPr/>
-          <p:nvPr/>
-        </p:nvCxnSpPr>
-        <p:spPr>
-          <a:xfrm>
-            <a:off x="2699792" y="3356992"/>
-            <a:ext cx="3312368" cy="0"/>
-          </a:xfrm>
-          <a:prstGeom prst="straightConnector1">
-            <a:avLst/>
-          </a:prstGeom>
-          <a:ln>
-            <a:tailEnd type="arrow"/>
-          </a:ln>
+        <p:txBody>
+          <a:bodyPr rtlCol="0" anchor="t"/>
+          <a:lstStyle/>
+          <a:p>
+            <a:pPr algn="ctr"/>
+            <a:r>
+              <a:rPr lang="en-GB" dirty="0"/>
+              <a:t>Adds: Peppol specific AS4 P-Mode, SBDH support, Peppol Reporting support, Peppol PKI support</a:t>
+            </a:r>
+          </a:p>
+        </p:txBody>
+      </p:sp>
+      <p:sp>
+        <p:nvSpPr>
+          <p:cNvPr id="5" name="Rechteck 4">
+            <a:extLst>
+              <a:ext uri="{FF2B5EF4-FFF2-40B4-BE49-F238E27FC236}">
+                <a16:creationId xmlns:a16="http://schemas.microsoft.com/office/drawing/2014/main" id="{70A823DE-A6A6-94D9-3A22-F320E0700F0B}"/>
+              </a:ext>
+            </a:extLst>
+          </p:cNvPr>
+          <p:cNvSpPr/>
+          <p:nvPr/>
+        </p:nvSpPr>
+        <p:spPr>
+          <a:xfrm>
+            <a:off x="642324" y="3645024"/>
+            <a:ext cx="3528393" cy="1872208"/>
+          </a:xfrm>
+          <a:prstGeom prst="rect">
+            <a:avLst/>
+          </a:prstGeom>
         </p:spPr>
         <p:style>
-          <a:lnRef idx="1">
-            <a:schemeClr val="accent1"/>
+          <a:lnRef idx="2">
+            <a:schemeClr val="accent1">
+              <a:shade val="15000"/>
+            </a:schemeClr>
           </a:lnRef>
-          <a:fillRef idx="0">
+          <a:fillRef idx="1">
             <a:schemeClr val="accent1"/>
           </a:fillRef>
           <a:effectRef idx="0">
             <a:schemeClr val="accent1"/>
           </a:effectRef>
           <a:fontRef idx="minor">
-            <a:schemeClr val="tx1"/>
+            <a:schemeClr val="lt1"/>
           </a:fontRef>
         </p:style>
-      </p:cxnSp>
-      <p:sp>
-        <p:nvSpPr>
-          <p:cNvPr id="7" name="Textfeld 6"/>
+        <p:txBody>
+          <a:bodyPr rtlCol="0" anchor="t"/>
+          <a:lstStyle/>
+          <a:p>
+            <a:pPr marL="285750" indent="-285750">
+              <a:buFont typeface="Arial" panose="020B0604020202020204" pitchFamily="34" charset="0"/>
+              <a:buChar char="•"/>
+            </a:pPr>
+            <a:r>
+              <a:rPr lang="en-GB" dirty="0"/>
+              <a:t>Open Issues:</a:t>
+            </a:r>
+          </a:p>
+          <a:p>
+            <a:pPr marL="742950" lvl="1" indent="-285750">
+              <a:buFont typeface="Arial" panose="020B0604020202020204" pitchFamily="34" charset="0"/>
+              <a:buChar char="•"/>
+            </a:pPr>
+            <a:r>
+              <a:rPr lang="en-GB" dirty="0"/>
+              <a:t>Configure document sending (predefined API)</a:t>
+            </a:r>
+          </a:p>
+          <a:p>
+            <a:pPr marL="742950" lvl="1" indent="-285750">
+              <a:buFont typeface="Arial" panose="020B0604020202020204" pitchFamily="34" charset="0"/>
+              <a:buChar char="•"/>
+            </a:pPr>
+            <a:r>
+              <a:rPr lang="en-GB" dirty="0"/>
+              <a:t>Configure document receiving</a:t>
+            </a:r>
+          </a:p>
+          <a:p>
+            <a:pPr marL="742950" lvl="1" indent="-285750">
+              <a:buFont typeface="Arial" panose="020B0604020202020204" pitchFamily="34" charset="0"/>
+              <a:buChar char="•"/>
+            </a:pPr>
+            <a:r>
+              <a:rPr lang="en-GB" dirty="0"/>
+              <a:t>Configure Peppol Reporting</a:t>
+            </a:r>
+          </a:p>
+        </p:txBody>
+      </p:sp>
+      <p:sp>
+        <p:nvSpPr>
+          <p:cNvPr id="6" name="Rechteck 5">
+            <a:extLst>
+              <a:ext uri="{FF2B5EF4-FFF2-40B4-BE49-F238E27FC236}">
+                <a16:creationId xmlns:a16="http://schemas.microsoft.com/office/drawing/2014/main" id="{F5C6B94D-A249-3845-8D5B-989CB2398841}"/>
+              </a:ext>
+            </a:extLst>
+          </p:cNvPr>
+          <p:cNvSpPr/>
+          <p:nvPr/>
+        </p:nvSpPr>
+        <p:spPr>
+          <a:xfrm>
+            <a:off x="4860031" y="404664"/>
+            <a:ext cx="4032450" cy="5328592"/>
+          </a:xfrm>
+          <a:prstGeom prst="rect">
+            <a:avLst/>
+          </a:prstGeom>
+        </p:spPr>
+        <p:style>
+          <a:lnRef idx="2">
+            <a:schemeClr val="accent1">
+              <a:shade val="15000"/>
+            </a:schemeClr>
+          </a:lnRef>
+          <a:fillRef idx="1">
+            <a:schemeClr val="accent1"/>
+          </a:fillRef>
+          <a:effectRef idx="0">
+            <a:schemeClr val="accent1"/>
+          </a:effectRef>
+          <a:fontRef idx="minor">
+            <a:schemeClr val="lt1"/>
+          </a:fontRef>
+        </p:style>
+        <p:txBody>
+          <a:bodyPr rtlCol="0" anchor="t"/>
+          <a:lstStyle/>
+          <a:p>
+            <a:pPr algn="ctr"/>
+            <a:r>
+              <a:rPr lang="en-GB" dirty="0"/>
+              <a:t>phase4-peppol-server-webapp (WAR)</a:t>
+            </a:r>
+          </a:p>
+        </p:txBody>
+      </p:sp>
+      <p:sp>
+        <p:nvSpPr>
+          <p:cNvPr id="7" name="Rechteck 6">
+            <a:extLst>
+              <a:ext uri="{FF2B5EF4-FFF2-40B4-BE49-F238E27FC236}">
+                <a16:creationId xmlns:a16="http://schemas.microsoft.com/office/drawing/2014/main" id="{A38F303C-0775-976D-60B8-C4D71B67EE0D}"/>
+              </a:ext>
+            </a:extLst>
+          </p:cNvPr>
+          <p:cNvSpPr/>
+          <p:nvPr/>
+        </p:nvSpPr>
+        <p:spPr>
+          <a:xfrm>
+            <a:off x="5076055" y="836712"/>
+            <a:ext cx="3528393" cy="1440160"/>
+          </a:xfrm>
+          <a:prstGeom prst="rect">
+            <a:avLst/>
+          </a:prstGeom>
+        </p:spPr>
+        <p:style>
+          <a:lnRef idx="2">
+            <a:schemeClr val="accent2">
+              <a:shade val="15000"/>
+            </a:schemeClr>
+          </a:lnRef>
+          <a:fillRef idx="1">
+            <a:schemeClr val="accent2"/>
+          </a:fillRef>
+          <a:effectRef idx="0">
+            <a:schemeClr val="accent2"/>
+          </a:effectRef>
+          <a:fontRef idx="minor">
+            <a:schemeClr val="lt1"/>
+          </a:fontRef>
+        </p:style>
+        <p:txBody>
+          <a:bodyPr rtlCol="0" anchor="ctr"/>
+          <a:lstStyle/>
+          <a:p>
+            <a:pPr algn="ctr"/>
+            <a:r>
+              <a:rPr lang="en-GB" dirty="0"/>
+              <a:t>phase4 (production ready, general purpose AS4 library)</a:t>
+            </a:r>
+          </a:p>
+        </p:txBody>
+      </p:sp>
+      <p:sp>
+        <p:nvSpPr>
+          <p:cNvPr id="8" name="Rechteck 7">
+            <a:extLst>
+              <a:ext uri="{FF2B5EF4-FFF2-40B4-BE49-F238E27FC236}">
+                <a16:creationId xmlns:a16="http://schemas.microsoft.com/office/drawing/2014/main" id="{9F7A9D5E-2B8C-5571-BAE4-A87353BFC48F}"/>
+              </a:ext>
+            </a:extLst>
+          </p:cNvPr>
+          <p:cNvSpPr/>
+          <p:nvPr/>
+        </p:nvSpPr>
+        <p:spPr>
+          <a:xfrm>
+            <a:off x="5076055" y="2492896"/>
+            <a:ext cx="3528393" cy="936104"/>
+          </a:xfrm>
+          <a:prstGeom prst="rect">
+            <a:avLst/>
+          </a:prstGeom>
+        </p:spPr>
+        <p:style>
+          <a:lnRef idx="2">
+            <a:schemeClr val="accent1">
+              <a:shade val="15000"/>
+            </a:schemeClr>
+          </a:lnRef>
+          <a:fillRef idx="1">
+            <a:schemeClr val="accent1"/>
+          </a:fillRef>
+          <a:effectRef idx="0">
+            <a:schemeClr val="accent1"/>
+          </a:effectRef>
+          <a:fontRef idx="minor">
+            <a:schemeClr val="lt1"/>
+          </a:fontRef>
+        </p:style>
+        <p:txBody>
+          <a:bodyPr rtlCol="0" anchor="t"/>
+          <a:lstStyle/>
+          <a:p>
+            <a:pPr algn="ctr"/>
+            <a:r>
+              <a:rPr lang="en-GB" dirty="0"/>
+              <a:t>Adds: Peppol specific AS4 P-Mode, SBDH support, Peppol Reporting support, Peppol PKI support</a:t>
+            </a:r>
+          </a:p>
+        </p:txBody>
+      </p:sp>
+      <p:sp>
+        <p:nvSpPr>
+          <p:cNvPr id="9" name="Rechteck 8">
+            <a:extLst>
+              <a:ext uri="{FF2B5EF4-FFF2-40B4-BE49-F238E27FC236}">
+                <a16:creationId xmlns:a16="http://schemas.microsoft.com/office/drawing/2014/main" id="{D8CBA7D0-CB7C-0A65-3CA7-D7AEF917570E}"/>
+              </a:ext>
+            </a:extLst>
+          </p:cNvPr>
+          <p:cNvSpPr/>
+          <p:nvPr/>
+        </p:nvSpPr>
+        <p:spPr>
+          <a:xfrm>
+            <a:off x="5106820" y="3645024"/>
+            <a:ext cx="3528393" cy="1872208"/>
+          </a:xfrm>
+          <a:prstGeom prst="rect">
+            <a:avLst/>
+          </a:prstGeom>
+        </p:spPr>
+        <p:style>
+          <a:lnRef idx="2">
+            <a:schemeClr val="accent1">
+              <a:shade val="15000"/>
+            </a:schemeClr>
+          </a:lnRef>
+          <a:fillRef idx="1">
+            <a:schemeClr val="accent1"/>
+          </a:fillRef>
+          <a:effectRef idx="0">
+            <a:schemeClr val="accent1"/>
+          </a:effectRef>
+          <a:fontRef idx="minor">
+            <a:schemeClr val="lt1"/>
+          </a:fontRef>
+        </p:style>
+        <p:txBody>
+          <a:bodyPr rtlCol="0" anchor="t"/>
+          <a:lstStyle/>
+          <a:p>
+            <a:pPr marL="285750" indent="-285750">
+              <a:buFont typeface="Arial" panose="020B0604020202020204" pitchFamily="34" charset="0"/>
+              <a:buChar char="•"/>
+            </a:pPr>
+            <a:r>
+              <a:rPr lang="en-GB" dirty="0"/>
+              <a:t>Open Issues:</a:t>
+            </a:r>
+          </a:p>
+          <a:p>
+            <a:pPr marL="742950" lvl="1" indent="-285750">
+              <a:buFont typeface="Arial" panose="020B0604020202020204" pitchFamily="34" charset="0"/>
+              <a:buChar char="•"/>
+            </a:pPr>
+            <a:r>
+              <a:rPr lang="en-GB" dirty="0"/>
+              <a:t>Configure document sending (predefined API)</a:t>
+            </a:r>
+          </a:p>
+          <a:p>
+            <a:pPr marL="742950" lvl="1" indent="-285750">
+              <a:buFont typeface="Arial" panose="020B0604020202020204" pitchFamily="34" charset="0"/>
+              <a:buChar char="•"/>
+            </a:pPr>
+            <a:r>
+              <a:rPr lang="en-GB" dirty="0"/>
+              <a:t>Configure document receiving</a:t>
+            </a:r>
+          </a:p>
+          <a:p>
+            <a:pPr marL="742950" lvl="1" indent="-285750">
+              <a:buFont typeface="Arial" panose="020B0604020202020204" pitchFamily="34" charset="0"/>
+              <a:buChar char="•"/>
+            </a:pPr>
+            <a:r>
+              <a:rPr lang="en-GB" dirty="0"/>
+              <a:t>Configure Peppol Reporting</a:t>
+            </a:r>
+          </a:p>
+        </p:txBody>
+      </p:sp>
+      <p:sp>
+        <p:nvSpPr>
+          <p:cNvPr id="10" name="Textfeld 9">
+            <a:extLst>
+              <a:ext uri="{FF2B5EF4-FFF2-40B4-BE49-F238E27FC236}">
+                <a16:creationId xmlns:a16="http://schemas.microsoft.com/office/drawing/2014/main" id="{9346ED97-2674-793D-51FF-FD7B04286B82}"/>
+              </a:ext>
+            </a:extLst>
+          </p:cNvPr>
           <p:cNvSpPr txBox="1"/>
           <p:nvPr/>
         </p:nvSpPr>
         <p:spPr>
           <a:xfrm>
-            <a:off x="3635896" y="3068960"/>
-            <a:ext cx="1495602" cy="369332"/>
+            <a:off x="2267744" y="5949280"/>
+            <a:ext cx="4105739" cy="369332"/>
           </a:xfrm>
           <a:prstGeom prst="rect">
             <a:avLst/>
@@ -6265,260 +7087,18 @@
           <a:lstStyle/>
           <a:p>
             <a:r>
-              <a:rPr lang="en-GB" dirty="0" smtClean="0">
-                <a:solidFill>
-                  <a:prstClr val="black"/>
-                </a:solidFill>
-              </a:rPr>
-              <a:t>User Message</a:t>
-            </a:r>
-            <a:endParaRPr lang="en-GB" dirty="0">
-              <a:solidFill>
-                <a:prstClr val="black"/>
-              </a:solidFill>
-            </a:endParaRPr>
-          </a:p>
-        </p:txBody>
-      </p:sp>
-      <p:cxnSp>
-        <p:nvCxnSpPr>
-          <p:cNvPr id="11" name="Gerade Verbindung mit Pfeil 10"/>
-          <p:cNvCxnSpPr/>
-          <p:nvPr/>
-        </p:nvCxnSpPr>
-        <p:spPr>
-          <a:xfrm flipH="1">
-            <a:off x="2699792" y="3789040"/>
-            <a:ext cx="3312368" cy="0"/>
-          </a:xfrm>
-          <a:prstGeom prst="straightConnector1">
-            <a:avLst/>
-          </a:prstGeom>
-          <a:ln>
-            <a:prstDash val="dash"/>
-            <a:tailEnd type="arrow"/>
-          </a:ln>
-        </p:spPr>
-        <p:style>
-          <a:lnRef idx="1">
-            <a:schemeClr val="accent1"/>
-          </a:lnRef>
-          <a:fillRef idx="0">
-            <a:schemeClr val="accent1"/>
-          </a:fillRef>
-          <a:effectRef idx="0">
-            <a:schemeClr val="accent1"/>
-          </a:effectRef>
-          <a:fontRef idx="minor">
-            <a:schemeClr val="tx1"/>
-          </a:fontRef>
-        </p:style>
-      </p:cxnSp>
-      <p:sp>
-        <p:nvSpPr>
-          <p:cNvPr id="12" name="Textfeld 11"/>
-          <p:cNvSpPr txBox="1"/>
-          <p:nvPr/>
-        </p:nvSpPr>
-        <p:spPr>
-          <a:xfrm>
-            <a:off x="3563888" y="3501008"/>
-            <a:ext cx="1615827" cy="369332"/>
-          </a:xfrm>
-          <a:prstGeom prst="rect">
-            <a:avLst/>
-          </a:prstGeom>
-          <a:noFill/>
-        </p:spPr>
-        <p:txBody>
-          <a:bodyPr wrap="none" rtlCol="0">
-            <a:spAutoFit/>
-          </a:bodyPr>
-          <a:lstStyle/>
-          <a:p>
-            <a:r>
-              <a:rPr lang="en-GB" dirty="0" smtClean="0">
-                <a:solidFill>
-                  <a:prstClr val="black"/>
-                </a:solidFill>
-              </a:rPr>
-              <a:t>Signal Message</a:t>
-            </a:r>
-            <a:endParaRPr lang="en-GB" dirty="0">
-              <a:solidFill>
-                <a:prstClr val="black"/>
-              </a:solidFill>
-            </a:endParaRPr>
-          </a:p>
-        </p:txBody>
-      </p:sp>
-      <p:cxnSp>
-        <p:nvCxnSpPr>
-          <p:cNvPr id="13" name="Gerade Verbindung 12"/>
-          <p:cNvCxnSpPr/>
-          <p:nvPr/>
-        </p:nvCxnSpPr>
-        <p:spPr>
-          <a:xfrm>
-            <a:off x="2699792" y="2996952"/>
-            <a:ext cx="0" cy="1368152"/>
-          </a:xfrm>
-          <a:prstGeom prst="line">
-            <a:avLst/>
-          </a:prstGeom>
-        </p:spPr>
-        <p:style>
-          <a:lnRef idx="1">
-            <a:schemeClr val="accent1"/>
-          </a:lnRef>
-          <a:fillRef idx="0">
-            <a:schemeClr val="accent1"/>
-          </a:fillRef>
-          <a:effectRef idx="0">
-            <a:schemeClr val="accent1"/>
-          </a:effectRef>
-          <a:fontRef idx="minor">
-            <a:schemeClr val="tx1"/>
-          </a:fontRef>
-        </p:style>
-      </p:cxnSp>
-      <p:sp>
-        <p:nvSpPr>
-          <p:cNvPr id="14" name="TextBox 13"/>
-          <p:cNvSpPr txBox="1"/>
-          <p:nvPr/>
-        </p:nvSpPr>
-        <p:spPr>
-          <a:xfrm>
-            <a:off x="2221584" y="2051556"/>
-            <a:ext cx="956416" cy="369332"/>
-          </a:xfrm>
-          <a:prstGeom prst="rect">
-            <a:avLst/>
-          </a:prstGeom>
-          <a:noFill/>
-        </p:spPr>
-        <p:txBody>
-          <a:bodyPr wrap="none" rtlCol="0">
-            <a:spAutoFit/>
-          </a:bodyPr>
-          <a:lstStyle/>
-          <a:p>
-            <a:r>
-              <a:rPr lang="en-US" b="1" dirty="0" smtClean="0"/>
-              <a:t>Initiator</a:t>
-            </a:r>
-            <a:endParaRPr lang="en-US" b="1" dirty="0"/>
-          </a:p>
-        </p:txBody>
-      </p:sp>
-      <p:sp>
-        <p:nvSpPr>
-          <p:cNvPr id="15" name="TextBox 14"/>
-          <p:cNvSpPr txBox="1"/>
-          <p:nvPr/>
-        </p:nvSpPr>
-        <p:spPr>
-          <a:xfrm>
-            <a:off x="5407667" y="2051556"/>
-            <a:ext cx="1208985" cy="369332"/>
-          </a:xfrm>
-          <a:prstGeom prst="rect">
-            <a:avLst/>
-          </a:prstGeom>
-          <a:noFill/>
-        </p:spPr>
-        <p:txBody>
-          <a:bodyPr wrap="none" rtlCol="0">
-            <a:spAutoFit/>
-          </a:bodyPr>
-          <a:lstStyle/>
-          <a:p>
-            <a:r>
-              <a:rPr lang="en-US" b="1" smtClean="0"/>
-              <a:t>Responder</a:t>
-            </a:r>
-            <a:endParaRPr lang="en-US" b="1" dirty="0"/>
-          </a:p>
-        </p:txBody>
-      </p:sp>
-      <p:sp>
-        <p:nvSpPr>
-          <p:cNvPr id="8" name="TextBox 7"/>
-          <p:cNvSpPr txBox="1"/>
-          <p:nvPr/>
-        </p:nvSpPr>
-        <p:spPr>
-          <a:xfrm>
-            <a:off x="1763689" y="3311480"/>
-            <a:ext cx="845103" cy="369332"/>
-          </a:xfrm>
-          <a:prstGeom prst="rect">
-            <a:avLst/>
-          </a:prstGeom>
-          <a:noFill/>
-        </p:spPr>
-        <p:txBody>
-          <a:bodyPr wrap="none" rtlCol="0">
-            <a:spAutoFit/>
-          </a:bodyPr>
-          <a:lstStyle/>
-          <a:p>
-            <a:r>
-              <a:rPr lang="en-US" i="1" dirty="0" smtClean="0">
-                <a:latin typeface="Times New Roman" charset="0"/>
-                <a:ea typeface="Times New Roman" charset="0"/>
-                <a:cs typeface="Times New Roman" charset="0"/>
-              </a:rPr>
-              <a:t>Sender</a:t>
-            </a:r>
-            <a:endParaRPr lang="en-US" i="1" dirty="0">
-              <a:latin typeface="Times New Roman" charset="0"/>
-              <a:ea typeface="Times New Roman" charset="0"/>
-              <a:cs typeface="Times New Roman" charset="0"/>
-            </a:endParaRPr>
-          </a:p>
-        </p:txBody>
-      </p:sp>
-      <p:sp>
-        <p:nvSpPr>
-          <p:cNvPr id="16" name="TextBox 15"/>
-          <p:cNvSpPr txBox="1"/>
-          <p:nvPr/>
-        </p:nvSpPr>
-        <p:spPr>
-          <a:xfrm>
-            <a:off x="6136085" y="3311480"/>
-            <a:ext cx="992579" cy="369332"/>
-          </a:xfrm>
-          <a:prstGeom prst="rect">
-            <a:avLst/>
-          </a:prstGeom>
-          <a:noFill/>
-        </p:spPr>
-        <p:txBody>
-          <a:bodyPr wrap="none" rtlCol="0">
-            <a:spAutoFit/>
-          </a:bodyPr>
-          <a:lstStyle/>
-          <a:p>
-            <a:r>
-              <a:rPr lang="en-US" i="1" dirty="0" smtClean="0">
-                <a:latin typeface="Times New Roman" charset="0"/>
-                <a:ea typeface="Times New Roman" charset="0"/>
-                <a:cs typeface="Times New Roman" charset="0"/>
-              </a:rPr>
-              <a:t>Receiver</a:t>
-            </a:r>
-            <a:endParaRPr lang="en-US" i="1" dirty="0">
-              <a:latin typeface="Times New Roman" charset="0"/>
-              <a:ea typeface="Times New Roman" charset="0"/>
-              <a:cs typeface="Times New Roman" charset="0"/>
-            </a:endParaRPr>
+              <a:rPr lang="en-GB" dirty="0"/>
+              <a:t>They have de facto the same functionality</a:t>
+            </a:r>
           </a:p>
         </p:txBody>
       </p:sp>
     </p:spTree>
+    <p:extLst>
+      <p:ext uri="{BB962C8B-B14F-4D97-AF65-F5344CB8AC3E}">
+        <p14:creationId xmlns:p14="http://schemas.microsoft.com/office/powerpoint/2010/main" val="2879078662"/>
+      </p:ext>
+    </p:extLst>
   </p:cSld>
   <p:clrMapOvr>
     <a:masterClrMapping/>
@@ -6559,10 +7139,9 @@
           <a:lstStyle/>
           <a:p>
             <a:r>
-              <a:rPr lang="en-GB" dirty="0" smtClean="0"/>
-              <a:t>Message Exchange - pull</a:t>
-            </a:r>
-            <a:endParaRPr lang="en-GB" dirty="0"/>
+              <a:rPr lang="en-GB" dirty="0"/>
+              <a:t>Message Exchange - push</a:t>
+            </a:r>
           </a:p>
         </p:txBody>
       </p:sp>
@@ -6603,18 +7182,13 @@
           <a:p>
             <a:pPr algn="ctr"/>
             <a:r>
-              <a:rPr lang="en-GB" dirty="0" smtClean="0">
+              <a:rPr lang="en-GB" dirty="0">
                 <a:solidFill>
                   <a:prstClr val="white"/>
                 </a:solidFill>
               </a:rPr>
               <a:t>C2</a:t>
             </a:r>
-            <a:endParaRPr lang="en-GB" dirty="0">
-              <a:solidFill>
-                <a:prstClr val="white"/>
-              </a:solidFill>
-            </a:endParaRPr>
           </a:p>
         </p:txBody>
       </p:sp>
@@ -6655,18 +7229,13 @@
           <a:p>
             <a:pPr algn="ctr"/>
             <a:r>
-              <a:rPr lang="en-GB" dirty="0" smtClean="0">
+              <a:rPr lang="en-GB" dirty="0">
                 <a:solidFill>
                   <a:prstClr val="white"/>
                 </a:solidFill>
               </a:rPr>
               <a:t>C3</a:t>
             </a:r>
-            <a:endParaRPr lang="en-GB" dirty="0">
-              <a:solidFill>
-                <a:prstClr val="white"/>
-              </a:solidFill>
-            </a:endParaRPr>
           </a:p>
         </p:txBody>
       </p:sp>
@@ -6741,8 +7310,8 @@
         </p:nvSpPr>
         <p:spPr>
           <a:xfrm>
-            <a:off x="3639967" y="3068960"/>
-            <a:ext cx="1343445" cy="369332"/>
+            <a:off x="3635896" y="3068960"/>
+            <a:ext cx="1495602" cy="369332"/>
           </a:xfrm>
           <a:prstGeom prst="rect">
             <a:avLst/>
@@ -6756,18 +7325,13 @@
           <a:lstStyle/>
           <a:p>
             <a:r>
-              <a:rPr lang="en-GB" dirty="0" smtClean="0">
+              <a:rPr lang="en-GB" dirty="0">
                 <a:solidFill>
                   <a:prstClr val="black"/>
                 </a:solidFill>
               </a:rPr>
-              <a:t>Pull Request</a:t>
-            </a:r>
-            <a:endParaRPr lang="en-GB" dirty="0">
-              <a:solidFill>
-                <a:prstClr val="black"/>
-              </a:solidFill>
-            </a:endParaRPr>
+              <a:t>User Message</a:t>
+            </a:r>
           </a:p>
         </p:txBody>
       </p:sp>
@@ -6814,7 +7378,7 @@
         <p:spPr>
           <a:xfrm>
             <a:off x="3563888" y="3501008"/>
-            <a:ext cx="1495602" cy="369332"/>
+            <a:ext cx="1615827" cy="369332"/>
           </a:xfrm>
           <a:prstGeom prst="rect">
             <a:avLst/>
@@ -6828,18 +7392,13 @@
           <a:lstStyle/>
           <a:p>
             <a:r>
-              <a:rPr lang="en-GB" dirty="0" smtClean="0">
+              <a:rPr lang="en-GB" dirty="0">
                 <a:solidFill>
                   <a:prstClr val="black"/>
                 </a:solidFill>
               </a:rPr>
-              <a:t>User Message</a:t>
-            </a:r>
-            <a:endParaRPr lang="en-GB" dirty="0">
-              <a:solidFill>
-                <a:prstClr val="black"/>
-              </a:solidFill>
-            </a:endParaRPr>
+              <a:t>Signal Message</a:t>
+            </a:r>
           </a:p>
         </p:txBody>
       </p:sp>
@@ -6873,49 +7432,16 @@
           </a:fontRef>
         </p:style>
       </p:cxnSp>
-      <p:cxnSp>
-        <p:nvCxnSpPr>
-          <p:cNvPr id="14" name="Gerade Verbindung mit Pfeil 5"/>
-          <p:cNvCxnSpPr/>
-          <p:nvPr/>
-        </p:nvCxnSpPr>
-        <p:spPr>
-          <a:xfrm>
-            <a:off x="2699792" y="4302387"/>
-            <a:ext cx="3312368" cy="0"/>
-          </a:xfrm>
-          <a:prstGeom prst="straightConnector1">
-            <a:avLst/>
-          </a:prstGeom>
-          <a:ln>
-            <a:tailEnd type="arrow"/>
-          </a:ln>
-        </p:spPr>
-        <p:style>
-          <a:lnRef idx="1">
-            <a:schemeClr val="accent1"/>
-          </a:lnRef>
-          <a:fillRef idx="0">
-            <a:schemeClr val="accent1"/>
-          </a:fillRef>
-          <a:effectRef idx="0">
-            <a:schemeClr val="accent1"/>
-          </a:effectRef>
-          <a:fontRef idx="minor">
-            <a:schemeClr val="tx1"/>
-          </a:fontRef>
-        </p:style>
-      </p:cxnSp>
-      <p:sp>
-        <p:nvSpPr>
-          <p:cNvPr id="15" name="Textfeld 6"/>
+      <p:sp>
+        <p:nvSpPr>
+          <p:cNvPr id="14" name="TextBox 13"/>
           <p:cNvSpPr txBox="1"/>
           <p:nvPr/>
         </p:nvSpPr>
         <p:spPr>
           <a:xfrm>
-            <a:off x="3563888" y="3976373"/>
-            <a:ext cx="1615892" cy="369332"/>
+            <a:off x="2221584" y="2051556"/>
+            <a:ext cx="956416" cy="369332"/>
           </a:xfrm>
           <a:prstGeom prst="rect">
             <a:avLst/>
@@ -6929,31 +7455,22 @@
           <a:lstStyle/>
           <a:p>
             <a:r>
-              <a:rPr lang="en-GB" smtClean="0">
-                <a:solidFill>
-                  <a:prstClr val="black"/>
-                </a:solidFill>
-              </a:rPr>
-              <a:t>Signal Message</a:t>
-            </a:r>
-            <a:endParaRPr lang="en-GB" dirty="0">
-              <a:solidFill>
-                <a:prstClr val="black"/>
-              </a:solidFill>
-            </a:endParaRPr>
-          </a:p>
-        </p:txBody>
-      </p:sp>
-      <p:sp>
-        <p:nvSpPr>
-          <p:cNvPr id="8" name="TextBox 7"/>
+              <a:rPr lang="en-US" b="1" dirty="0"/>
+              <a:t>Initiator</a:t>
+            </a:r>
+          </a:p>
+        </p:txBody>
+      </p:sp>
+      <p:sp>
+        <p:nvSpPr>
+          <p:cNvPr id="15" name="TextBox 14"/>
           <p:cNvSpPr txBox="1"/>
           <p:nvPr/>
         </p:nvSpPr>
         <p:spPr>
           <a:xfrm>
-            <a:off x="2221584" y="2051556"/>
-            <a:ext cx="956416" cy="369332"/>
+            <a:off x="5407667" y="2051556"/>
+            <a:ext cx="1208985" cy="369332"/>
           </a:xfrm>
           <a:prstGeom prst="rect">
             <a:avLst/>
@@ -6967,8 +7484,8 @@
           <a:lstStyle/>
           <a:p>
             <a:r>
-              <a:rPr lang="en-US" b="1" dirty="0" smtClean="0"/>
-              <a:t>Initiator</a:t>
+              <a:rPr lang="en-US" b="1"/>
+              <a:t>Responder</a:t>
             </a:r>
             <a:endParaRPr lang="en-US" b="1" dirty="0"/>
           </a:p>
@@ -6976,14 +7493,14 @@
       </p:sp>
       <p:sp>
         <p:nvSpPr>
-          <p:cNvPr id="16" name="TextBox 15"/>
+          <p:cNvPr id="8" name="TextBox 7"/>
           <p:cNvSpPr txBox="1"/>
           <p:nvPr/>
         </p:nvSpPr>
         <p:spPr>
           <a:xfrm>
-            <a:off x="5407667" y="2051556"/>
-            <a:ext cx="1208985" cy="369332"/>
+            <a:off x="1763689" y="3311480"/>
+            <a:ext cx="845103" cy="369332"/>
           </a:xfrm>
           <a:prstGeom prst="rect">
             <a:avLst/>
@@ -6997,22 +7514,25 @@
           <a:lstStyle/>
           <a:p>
             <a:r>
-              <a:rPr lang="en-US" b="1" smtClean="0"/>
-              <a:t>Responder</a:t>
-            </a:r>
-            <a:endParaRPr lang="en-US" b="1" dirty="0"/>
-          </a:p>
-        </p:txBody>
-      </p:sp>
-      <p:sp>
-        <p:nvSpPr>
-          <p:cNvPr id="17" name="TextBox 16"/>
+              <a:rPr lang="en-US" i="1" dirty="0">
+                <a:latin typeface="Times New Roman" charset="0"/>
+                <a:ea typeface="Times New Roman" charset="0"/>
+                <a:cs typeface="Times New Roman" charset="0"/>
+              </a:rPr>
+              <a:t>Sender</a:t>
+            </a:r>
+          </a:p>
+        </p:txBody>
+      </p:sp>
+      <p:sp>
+        <p:nvSpPr>
+          <p:cNvPr id="16" name="TextBox 15"/>
           <p:cNvSpPr txBox="1"/>
           <p:nvPr/>
         </p:nvSpPr>
         <p:spPr>
           <a:xfrm>
-            <a:off x="1635205" y="3573016"/>
+            <a:off x="6136085" y="3311480"/>
             <a:ext cx="992579" cy="369332"/>
           </a:xfrm>
           <a:prstGeom prst="rect">
@@ -7027,56 +7547,13 @@
           <a:lstStyle/>
           <a:p>
             <a:r>
-              <a:rPr lang="en-US" i="1" smtClean="0">
+              <a:rPr lang="en-US" i="1" dirty="0">
                 <a:latin typeface="Times New Roman" charset="0"/>
                 <a:ea typeface="Times New Roman" charset="0"/>
                 <a:cs typeface="Times New Roman" charset="0"/>
               </a:rPr>
               <a:t>Receiver</a:t>
             </a:r>
-            <a:endParaRPr lang="en-US" i="1" dirty="0">
-              <a:latin typeface="Times New Roman" charset="0"/>
-              <a:ea typeface="Times New Roman" charset="0"/>
-              <a:cs typeface="Times New Roman" charset="0"/>
-            </a:endParaRPr>
-          </a:p>
-        </p:txBody>
-      </p:sp>
-      <p:sp>
-        <p:nvSpPr>
-          <p:cNvPr id="18" name="TextBox 17"/>
-          <p:cNvSpPr txBox="1"/>
-          <p:nvPr/>
-        </p:nvSpPr>
-        <p:spPr>
-          <a:xfrm>
-            <a:off x="6136085" y="3573016"/>
-            <a:ext cx="825867" cy="369332"/>
-          </a:xfrm>
-          <a:prstGeom prst="rect">
-            <a:avLst/>
-          </a:prstGeom>
-          <a:noFill/>
-        </p:spPr>
-        <p:txBody>
-          <a:bodyPr wrap="none" rtlCol="0">
-            <a:spAutoFit/>
-          </a:bodyPr>
-          <a:lstStyle/>
-          <a:p>
-            <a:r>
-              <a:rPr lang="en-US" i="1" dirty="0" smtClean="0">
-                <a:latin typeface="Times New Roman" charset="0"/>
-                <a:ea typeface="Times New Roman" charset="0"/>
-                <a:cs typeface="Times New Roman" charset="0"/>
-              </a:rPr>
-              <a:t>Sender</a:t>
-            </a:r>
-            <a:endParaRPr lang="en-US" i="1" dirty="0">
-              <a:latin typeface="Times New Roman" charset="0"/>
-              <a:ea typeface="Times New Roman" charset="0"/>
-              <a:cs typeface="Times New Roman" charset="0"/>
-            </a:endParaRPr>
           </a:p>
         </p:txBody>
       </p:sp>
@@ -7121,10 +7598,9 @@
           <a:lstStyle/>
           <a:p>
             <a:r>
-              <a:rPr lang="en-GB" dirty="0" smtClean="0"/>
-              <a:t>Message Exchange - sync</a:t>
-            </a:r>
-            <a:endParaRPr lang="en-GB" dirty="0"/>
+              <a:rPr lang="en-GB" dirty="0"/>
+              <a:t>Message Exchange - pull</a:t>
+            </a:r>
           </a:p>
         </p:txBody>
       </p:sp>
@@ -7165,18 +7641,13 @@
           <a:p>
             <a:pPr algn="ctr"/>
             <a:r>
-              <a:rPr lang="en-GB" dirty="0" smtClean="0">
+              <a:rPr lang="en-GB" dirty="0">
                 <a:solidFill>
                   <a:prstClr val="white"/>
                 </a:solidFill>
               </a:rPr>
               <a:t>C2</a:t>
             </a:r>
-            <a:endParaRPr lang="en-GB" dirty="0">
-              <a:solidFill>
-                <a:prstClr val="white"/>
-              </a:solidFill>
-            </a:endParaRPr>
           </a:p>
         </p:txBody>
       </p:sp>
@@ -7217,18 +7688,13 @@
           <a:p>
             <a:pPr algn="ctr"/>
             <a:r>
-              <a:rPr lang="en-GB" dirty="0" smtClean="0">
+              <a:rPr lang="en-GB" dirty="0">
                 <a:solidFill>
                   <a:prstClr val="white"/>
                 </a:solidFill>
               </a:rPr>
               <a:t>C3</a:t>
             </a:r>
-            <a:endParaRPr lang="en-GB" dirty="0">
-              <a:solidFill>
-                <a:prstClr val="white"/>
-              </a:solidFill>
-            </a:endParaRPr>
           </a:p>
         </p:txBody>
       </p:sp>
@@ -7303,8 +7769,8 @@
         </p:nvSpPr>
         <p:spPr>
           <a:xfrm>
-            <a:off x="3608175" y="3068960"/>
-            <a:ext cx="1495602" cy="369332"/>
+            <a:off x="3639967" y="3068960"/>
+            <a:ext cx="1343445" cy="369332"/>
           </a:xfrm>
           <a:prstGeom prst="rect">
             <a:avLst/>
@@ -7318,18 +7784,13 @@
           <a:lstStyle/>
           <a:p>
             <a:r>
-              <a:rPr lang="en-GB" dirty="0" smtClean="0">
+              <a:rPr lang="en-GB" dirty="0">
                 <a:solidFill>
                   <a:prstClr val="black"/>
                 </a:solidFill>
               </a:rPr>
-              <a:t>User Message</a:t>
-            </a:r>
-            <a:endParaRPr lang="en-GB" dirty="0">
-              <a:solidFill>
-                <a:prstClr val="black"/>
-              </a:solidFill>
-            </a:endParaRPr>
+              <a:t>Pull Request</a:t>
+            </a:r>
           </a:p>
         </p:txBody>
       </p:sp>
@@ -7375,8 +7836,8 @@
         </p:nvSpPr>
         <p:spPr>
           <a:xfrm>
-            <a:off x="3147440" y="3501008"/>
-            <a:ext cx="2417072" cy="369332"/>
+            <a:off x="3563888" y="3501008"/>
+            <a:ext cx="1495602" cy="369332"/>
           </a:xfrm>
           <a:prstGeom prst="rect">
             <a:avLst/>
@@ -7390,18 +7851,13 @@
           <a:lstStyle/>
           <a:p>
             <a:r>
-              <a:rPr lang="en-GB" dirty="0" smtClean="0">
+              <a:rPr lang="en-GB" dirty="0">
                 <a:solidFill>
                   <a:prstClr val="black"/>
                 </a:solidFill>
               </a:rPr>
-              <a:t>Receipt + User Message</a:t>
-            </a:r>
-            <a:endParaRPr lang="en-GB" dirty="0">
-              <a:solidFill>
-                <a:prstClr val="black"/>
-              </a:solidFill>
-            </a:endParaRPr>
+              <a:t>User Message</a:t>
+            </a:r>
           </a:p>
         </p:txBody>
       </p:sp>
@@ -7435,16 +7891,49 @@
           </a:fontRef>
         </p:style>
       </p:cxnSp>
-      <p:sp>
-        <p:nvSpPr>
-          <p:cNvPr id="14" name="TextBox 13"/>
+      <p:cxnSp>
+        <p:nvCxnSpPr>
+          <p:cNvPr id="14" name="Gerade Verbindung mit Pfeil 5"/>
+          <p:cNvCxnSpPr/>
+          <p:nvPr/>
+        </p:nvCxnSpPr>
+        <p:spPr>
+          <a:xfrm>
+            <a:off x="2699792" y="4302387"/>
+            <a:ext cx="3312368" cy="0"/>
+          </a:xfrm>
+          <a:prstGeom prst="straightConnector1">
+            <a:avLst/>
+          </a:prstGeom>
+          <a:ln>
+            <a:tailEnd type="arrow"/>
+          </a:ln>
+        </p:spPr>
+        <p:style>
+          <a:lnRef idx="1">
+            <a:schemeClr val="accent1"/>
+          </a:lnRef>
+          <a:fillRef idx="0">
+            <a:schemeClr val="accent1"/>
+          </a:fillRef>
+          <a:effectRef idx="0">
+            <a:schemeClr val="accent1"/>
+          </a:effectRef>
+          <a:fontRef idx="minor">
+            <a:schemeClr val="tx1"/>
+          </a:fontRef>
+        </p:style>
+      </p:cxnSp>
+      <p:sp>
+        <p:nvSpPr>
+          <p:cNvPr id="15" name="Textfeld 6"/>
           <p:cNvSpPr txBox="1"/>
           <p:nvPr/>
         </p:nvSpPr>
         <p:spPr>
           <a:xfrm>
-            <a:off x="2221584" y="2051556"/>
-            <a:ext cx="956416" cy="369332"/>
+            <a:off x="3563888" y="3976373"/>
+            <a:ext cx="1615892" cy="369332"/>
           </a:xfrm>
           <a:prstGeom prst="rect">
             <a:avLst/>
@@ -7458,23 +7947,31 @@
           <a:lstStyle/>
           <a:p>
             <a:r>
-              <a:rPr lang="en-US" b="1" dirty="0" smtClean="0"/>
-              <a:t>Initiator</a:t>
-            </a:r>
-            <a:endParaRPr lang="en-US" b="1" dirty="0"/>
-          </a:p>
-        </p:txBody>
-      </p:sp>
-      <p:sp>
-        <p:nvSpPr>
-          <p:cNvPr id="15" name="TextBox 14"/>
+              <a:rPr lang="en-GB">
+                <a:solidFill>
+                  <a:prstClr val="black"/>
+                </a:solidFill>
+              </a:rPr>
+              <a:t>Signal Message</a:t>
+            </a:r>
+            <a:endParaRPr lang="en-GB" dirty="0">
+              <a:solidFill>
+                <a:prstClr val="black"/>
+              </a:solidFill>
+            </a:endParaRPr>
+          </a:p>
+        </p:txBody>
+      </p:sp>
+      <p:sp>
+        <p:nvSpPr>
+          <p:cNvPr id="8" name="TextBox 7"/>
           <p:cNvSpPr txBox="1"/>
           <p:nvPr/>
         </p:nvSpPr>
         <p:spPr>
           <a:xfrm>
-            <a:off x="5407667" y="2051556"/>
-            <a:ext cx="1208985" cy="369332"/>
+            <a:off x="2221584" y="2051556"/>
+            <a:ext cx="956416" cy="369332"/>
           </a:xfrm>
           <a:prstGeom prst="rect">
             <a:avLst/>
@@ -7488,10 +7985,9 @@
           <a:lstStyle/>
           <a:p>
             <a:r>
-              <a:rPr lang="en-US" b="1" smtClean="0"/>
-              <a:t>Responder</a:t>
-            </a:r>
-            <a:endParaRPr lang="en-US" b="1" dirty="0"/>
+              <a:rPr lang="en-US" b="1" dirty="0"/>
+              <a:t>Initiator</a:t>
+            </a:r>
           </a:p>
         </p:txBody>
       </p:sp>
@@ -7503,8 +7999,8 @@
         </p:nvSpPr>
         <p:spPr>
           <a:xfrm>
-            <a:off x="1782681" y="3131676"/>
-            <a:ext cx="845103" cy="369332"/>
+            <a:off x="5407667" y="2051556"/>
+            <a:ext cx="1208985" cy="369332"/>
           </a:xfrm>
           <a:prstGeom prst="rect">
             <a:avLst/>
@@ -7518,132 +8014,81 @@
           <a:lstStyle/>
           <a:p>
             <a:r>
-              <a:rPr lang="en-US" i="1" dirty="0" smtClean="0">
+              <a:rPr lang="en-US" b="1"/>
+              <a:t>Responder</a:t>
+            </a:r>
+            <a:endParaRPr lang="en-US" b="1" dirty="0"/>
+          </a:p>
+        </p:txBody>
+      </p:sp>
+      <p:sp>
+        <p:nvSpPr>
+          <p:cNvPr id="17" name="TextBox 16"/>
+          <p:cNvSpPr txBox="1"/>
+          <p:nvPr/>
+        </p:nvSpPr>
+        <p:spPr>
+          <a:xfrm>
+            <a:off x="1635205" y="3573016"/>
+            <a:ext cx="992579" cy="369332"/>
+          </a:xfrm>
+          <a:prstGeom prst="rect">
+            <a:avLst/>
+          </a:prstGeom>
+          <a:noFill/>
+        </p:spPr>
+        <p:txBody>
+          <a:bodyPr wrap="none" rtlCol="0">
+            <a:spAutoFit/>
+          </a:bodyPr>
+          <a:lstStyle/>
+          <a:p>
+            <a:r>
+              <a:rPr lang="en-US" i="1">
+                <a:latin typeface="Times New Roman" charset="0"/>
+                <a:ea typeface="Times New Roman" charset="0"/>
+                <a:cs typeface="Times New Roman" charset="0"/>
+              </a:rPr>
+              <a:t>Receiver</a:t>
+            </a:r>
+            <a:endParaRPr lang="en-US" i="1" dirty="0">
+              <a:latin typeface="Times New Roman" charset="0"/>
+              <a:ea typeface="Times New Roman" charset="0"/>
+              <a:cs typeface="Times New Roman" charset="0"/>
+            </a:endParaRPr>
+          </a:p>
+        </p:txBody>
+      </p:sp>
+      <p:sp>
+        <p:nvSpPr>
+          <p:cNvPr id="18" name="TextBox 17"/>
+          <p:cNvSpPr txBox="1"/>
+          <p:nvPr/>
+        </p:nvSpPr>
+        <p:spPr>
+          <a:xfrm>
+            <a:off x="6136085" y="3573016"/>
+            <a:ext cx="825867" cy="369332"/>
+          </a:xfrm>
+          <a:prstGeom prst="rect">
+            <a:avLst/>
+          </a:prstGeom>
+          <a:noFill/>
+        </p:spPr>
+        <p:txBody>
+          <a:bodyPr wrap="none" rtlCol="0">
+            <a:spAutoFit/>
+          </a:bodyPr>
+          <a:lstStyle/>
+          <a:p>
+            <a:r>
+              <a:rPr lang="en-US" i="1" dirty="0">
                 <a:latin typeface="Times New Roman" charset="0"/>
                 <a:ea typeface="Times New Roman" charset="0"/>
                 <a:cs typeface="Times New Roman" charset="0"/>
               </a:rPr>
               <a:t>Sender</a:t>
             </a:r>
-            <a:endParaRPr lang="en-US" i="1" dirty="0">
-              <a:latin typeface="Times New Roman" charset="0"/>
-              <a:ea typeface="Times New Roman" charset="0"/>
-              <a:cs typeface="Times New Roman" charset="0"/>
-            </a:endParaRPr>
-          </a:p>
-        </p:txBody>
-      </p:sp>
-      <p:sp>
-        <p:nvSpPr>
-          <p:cNvPr id="17" name="TextBox 16"/>
-          <p:cNvSpPr txBox="1"/>
-          <p:nvPr/>
-        </p:nvSpPr>
-        <p:spPr>
-          <a:xfrm>
-            <a:off x="6136085" y="3131676"/>
-            <a:ext cx="992579" cy="369332"/>
-          </a:xfrm>
-          <a:prstGeom prst="rect">
-            <a:avLst/>
-          </a:prstGeom>
-          <a:noFill/>
-        </p:spPr>
-        <p:txBody>
-          <a:bodyPr wrap="none" rtlCol="0">
-            <a:spAutoFit/>
-          </a:bodyPr>
-          <a:lstStyle/>
-          <a:p>
-            <a:r>
-              <a:rPr lang="en-US" i="1" dirty="0" smtClean="0">
-                <a:latin typeface="Times New Roman" charset="0"/>
-                <a:ea typeface="Times New Roman" charset="0"/>
-                <a:cs typeface="Times New Roman" charset="0"/>
-              </a:rPr>
-              <a:t>Receiver</a:t>
-            </a:r>
-            <a:endParaRPr lang="en-US" i="1" dirty="0">
-              <a:latin typeface="Times New Roman" charset="0"/>
-              <a:ea typeface="Times New Roman" charset="0"/>
-              <a:cs typeface="Times New Roman" charset="0"/>
-            </a:endParaRPr>
-          </a:p>
-        </p:txBody>
-      </p:sp>
-      <p:sp>
-        <p:nvSpPr>
-          <p:cNvPr id="18" name="TextBox 17"/>
-          <p:cNvSpPr txBox="1"/>
-          <p:nvPr/>
-        </p:nvSpPr>
-        <p:spPr>
-          <a:xfrm>
-            <a:off x="1635205" y="3573016"/>
-            <a:ext cx="992579" cy="369332"/>
-          </a:xfrm>
-          <a:prstGeom prst="rect">
-            <a:avLst/>
-          </a:prstGeom>
-          <a:noFill/>
-        </p:spPr>
-        <p:txBody>
-          <a:bodyPr wrap="none" rtlCol="0">
-            <a:spAutoFit/>
-          </a:bodyPr>
-          <a:lstStyle/>
-          <a:p>
-            <a:r>
-              <a:rPr lang="en-US" i="1" dirty="0" smtClean="0">
-                <a:latin typeface="Times New Roman" charset="0"/>
-                <a:ea typeface="Times New Roman" charset="0"/>
-                <a:cs typeface="Times New Roman" charset="0"/>
-              </a:rPr>
-              <a:t>Receiver</a:t>
-            </a:r>
-            <a:endParaRPr lang="en-US" i="1" dirty="0">
-              <a:latin typeface="Times New Roman" charset="0"/>
-              <a:ea typeface="Times New Roman" charset="0"/>
-              <a:cs typeface="Times New Roman" charset="0"/>
-            </a:endParaRPr>
-          </a:p>
-        </p:txBody>
-      </p:sp>
-      <p:sp>
-        <p:nvSpPr>
-          <p:cNvPr id="19" name="TextBox 18"/>
-          <p:cNvSpPr txBox="1"/>
-          <p:nvPr/>
-        </p:nvSpPr>
-        <p:spPr>
-          <a:xfrm>
-            <a:off x="6136084" y="3573016"/>
-            <a:ext cx="825867" cy="369332"/>
-          </a:xfrm>
-          <a:prstGeom prst="rect">
-            <a:avLst/>
-          </a:prstGeom>
-          <a:noFill/>
-        </p:spPr>
-        <p:txBody>
-          <a:bodyPr wrap="none" rtlCol="0">
-            <a:spAutoFit/>
-          </a:bodyPr>
-          <a:lstStyle/>
-          <a:p>
-            <a:r>
-              <a:rPr lang="en-US" i="1" dirty="0" smtClean="0">
-                <a:latin typeface="Times New Roman" charset="0"/>
-                <a:ea typeface="Times New Roman" charset="0"/>
-                <a:cs typeface="Times New Roman" charset="0"/>
-              </a:rPr>
-              <a:t>Sender</a:t>
-            </a:r>
-            <a:endParaRPr lang="en-US" i="1" dirty="0">
-              <a:latin typeface="Times New Roman" charset="0"/>
-              <a:ea typeface="Times New Roman" charset="0"/>
-              <a:cs typeface="Times New Roman" charset="0"/>
-            </a:endParaRPr>
           </a:p>
         </p:txBody>
       </p:sp>
@@ -7688,10 +8133,9 @@
           <a:lstStyle/>
           <a:p>
             <a:r>
-              <a:rPr lang="en-GB" dirty="0" smtClean="0"/>
-              <a:t>Message Exchange – push-push</a:t>
-            </a:r>
-            <a:endParaRPr lang="en-GB" dirty="0"/>
+              <a:rPr lang="en-GB" dirty="0"/>
+              <a:t>Message Exchange - sync</a:t>
+            </a:r>
           </a:p>
         </p:txBody>
       </p:sp>
@@ -7732,18 +8176,13 @@
           <a:p>
             <a:pPr algn="ctr"/>
             <a:r>
-              <a:rPr lang="en-GB" dirty="0" smtClean="0">
+              <a:rPr lang="en-GB" dirty="0">
                 <a:solidFill>
                   <a:prstClr val="white"/>
                 </a:solidFill>
               </a:rPr>
               <a:t>C2</a:t>
             </a:r>
-            <a:endParaRPr lang="en-GB" dirty="0">
-              <a:solidFill>
-                <a:prstClr val="white"/>
-              </a:solidFill>
-            </a:endParaRPr>
           </a:p>
         </p:txBody>
       </p:sp>
@@ -7784,18 +8223,13 @@
           <a:p>
             <a:pPr algn="ctr"/>
             <a:r>
-              <a:rPr lang="en-GB" dirty="0" smtClean="0">
+              <a:rPr lang="en-GB" dirty="0">
                 <a:solidFill>
                   <a:prstClr val="white"/>
                 </a:solidFill>
               </a:rPr>
               <a:t>C3</a:t>
             </a:r>
-            <a:endParaRPr lang="en-GB" dirty="0">
-              <a:solidFill>
-                <a:prstClr val="white"/>
-              </a:solidFill>
-            </a:endParaRPr>
           </a:p>
         </p:txBody>
       </p:sp>
@@ -7808,7 +8242,7 @@
         <p:spPr>
           <a:xfrm>
             <a:off x="6012160" y="2996952"/>
-            <a:ext cx="0" cy="2160240"/>
+            <a:ext cx="0" cy="1368152"/>
           </a:xfrm>
           <a:prstGeom prst="line">
             <a:avLst/>
@@ -7870,7 +8304,7 @@
         </p:nvSpPr>
         <p:spPr>
           <a:xfrm>
-            <a:off x="3624000" y="3068960"/>
+            <a:off x="3608175" y="3068960"/>
             <a:ext cx="1495602" cy="369332"/>
           </a:xfrm>
           <a:prstGeom prst="rect">
@@ -7885,18 +8319,13 @@
           <a:lstStyle/>
           <a:p>
             <a:r>
-              <a:rPr lang="en-GB" dirty="0" smtClean="0">
+              <a:rPr lang="en-GB" dirty="0">
                 <a:solidFill>
                   <a:prstClr val="black"/>
                 </a:solidFill>
               </a:rPr>
               <a:t>User Message</a:t>
             </a:r>
-            <a:endParaRPr lang="en-GB" dirty="0">
-              <a:solidFill>
-                <a:prstClr val="black"/>
-              </a:solidFill>
-            </a:endParaRPr>
           </a:p>
         </p:txBody>
       </p:sp>
@@ -7942,8 +8371,8 @@
         </p:nvSpPr>
         <p:spPr>
           <a:xfrm>
-            <a:off x="3563888" y="3501008"/>
-            <a:ext cx="1615827" cy="369332"/>
+            <a:off x="3147440" y="3501008"/>
+            <a:ext cx="2417072" cy="369332"/>
           </a:xfrm>
           <a:prstGeom prst="rect">
             <a:avLst/>
@@ -7957,18 +8386,13 @@
           <a:lstStyle/>
           <a:p>
             <a:r>
-              <a:rPr lang="en-GB" dirty="0" smtClean="0">
+              <a:rPr lang="en-GB" dirty="0">
                 <a:solidFill>
                   <a:prstClr val="black"/>
                 </a:solidFill>
               </a:rPr>
-              <a:t>Signal Message</a:t>
-            </a:r>
-            <a:endParaRPr lang="en-GB" dirty="0">
-              <a:solidFill>
-                <a:prstClr val="black"/>
-              </a:solidFill>
-            </a:endParaRPr>
+              <a:t>Receipt + User Message</a:t>
+            </a:r>
           </a:p>
         </p:txBody>
       </p:sp>
@@ -7981,7 +8405,7 @@
         <p:spPr>
           <a:xfrm>
             <a:off x="2699792" y="2996952"/>
-            <a:ext cx="0" cy="2160240"/>
+            <a:ext cx="0" cy="1368152"/>
           </a:xfrm>
           <a:prstGeom prst="line">
             <a:avLst/>
@@ -8002,50 +8426,16 @@
           </a:fontRef>
         </p:style>
       </p:cxnSp>
-      <p:cxnSp>
-        <p:nvCxnSpPr>
-          <p:cNvPr id="21" name="Gerade Verbindung mit Pfeil 20"/>
-          <p:cNvCxnSpPr/>
-          <p:nvPr/>
-        </p:nvCxnSpPr>
-        <p:spPr>
-          <a:xfrm>
-            <a:off x="2699792" y="4499828"/>
-            <a:ext cx="3312368" cy="0"/>
-          </a:xfrm>
-          <a:prstGeom prst="straightConnector1">
-            <a:avLst/>
-          </a:prstGeom>
-          <a:ln>
-            <a:headEnd type="arrow"/>
-            <a:tailEnd type="none"/>
-          </a:ln>
-        </p:spPr>
-        <p:style>
-          <a:lnRef idx="1">
-            <a:schemeClr val="accent1"/>
-          </a:lnRef>
-          <a:fillRef idx="0">
-            <a:schemeClr val="accent1"/>
-          </a:fillRef>
-          <a:effectRef idx="0">
-            <a:schemeClr val="accent1"/>
-          </a:effectRef>
-          <a:fontRef idx="minor">
-            <a:schemeClr val="tx1"/>
-          </a:fontRef>
-        </p:style>
-      </p:cxnSp>
-      <p:sp>
-        <p:nvSpPr>
-          <p:cNvPr id="22" name="Textfeld 21"/>
+      <p:sp>
+        <p:nvSpPr>
+          <p:cNvPr id="14" name="TextBox 13"/>
           <p:cNvSpPr txBox="1"/>
           <p:nvPr/>
         </p:nvSpPr>
         <p:spPr>
           <a:xfrm>
-            <a:off x="3624000" y="4211796"/>
-            <a:ext cx="1495602" cy="369332"/>
+            <a:off x="2221584" y="2051556"/>
+            <a:ext cx="956416" cy="369332"/>
           </a:xfrm>
           <a:prstGeom prst="rect">
             <a:avLst/>
@@ -8059,66 +8449,22 @@
           <a:lstStyle/>
           <a:p>
             <a:r>
-              <a:rPr lang="en-GB" dirty="0" smtClean="0">
-                <a:solidFill>
-                  <a:prstClr val="black"/>
-                </a:solidFill>
-              </a:rPr>
-              <a:t>User Message</a:t>
-            </a:r>
-            <a:endParaRPr lang="en-GB" dirty="0">
-              <a:solidFill>
-                <a:prstClr val="black"/>
-              </a:solidFill>
-            </a:endParaRPr>
-          </a:p>
-        </p:txBody>
-      </p:sp>
-      <p:cxnSp>
-        <p:nvCxnSpPr>
-          <p:cNvPr id="23" name="Gerade Verbindung mit Pfeil 22"/>
-          <p:cNvCxnSpPr/>
-          <p:nvPr/>
-        </p:nvCxnSpPr>
-        <p:spPr>
-          <a:xfrm flipH="1">
-            <a:off x="2699792" y="4931876"/>
-            <a:ext cx="3312368" cy="0"/>
-          </a:xfrm>
-          <a:prstGeom prst="straightConnector1">
-            <a:avLst/>
-          </a:prstGeom>
-          <a:ln>
-            <a:prstDash val="dash"/>
-            <a:headEnd type="arrow"/>
-            <a:tailEnd type="none"/>
-          </a:ln>
-        </p:spPr>
-        <p:style>
-          <a:lnRef idx="1">
-            <a:schemeClr val="accent1"/>
-          </a:lnRef>
-          <a:fillRef idx="0">
-            <a:schemeClr val="accent1"/>
-          </a:fillRef>
-          <a:effectRef idx="0">
-            <a:schemeClr val="accent1"/>
-          </a:effectRef>
-          <a:fontRef idx="minor">
-            <a:schemeClr val="tx1"/>
-          </a:fontRef>
-        </p:style>
-      </p:cxnSp>
-      <p:sp>
-        <p:nvSpPr>
-          <p:cNvPr id="24" name="Textfeld 23"/>
+              <a:rPr lang="en-US" b="1" dirty="0"/>
+              <a:t>Initiator</a:t>
+            </a:r>
+          </a:p>
+        </p:txBody>
+      </p:sp>
+      <p:sp>
+        <p:nvSpPr>
+          <p:cNvPr id="15" name="TextBox 14"/>
           <p:cNvSpPr txBox="1"/>
           <p:nvPr/>
         </p:nvSpPr>
         <p:spPr>
           <a:xfrm>
-            <a:off x="3563888" y="4643844"/>
-            <a:ext cx="1615827" cy="369332"/>
+            <a:off x="5407667" y="2051556"/>
+            <a:ext cx="1208985" cy="369332"/>
           </a:xfrm>
           <a:prstGeom prst="rect">
             <a:avLst/>
@@ -8132,31 +8478,23 @@
           <a:lstStyle/>
           <a:p>
             <a:r>
-              <a:rPr lang="en-GB" dirty="0" smtClean="0">
-                <a:solidFill>
-                  <a:prstClr val="black"/>
-                </a:solidFill>
-              </a:rPr>
-              <a:t>Signal Message</a:t>
-            </a:r>
-            <a:endParaRPr lang="en-GB" dirty="0">
-              <a:solidFill>
-                <a:prstClr val="black"/>
-              </a:solidFill>
-            </a:endParaRPr>
-          </a:p>
-        </p:txBody>
-      </p:sp>
-      <p:sp>
-        <p:nvSpPr>
-          <p:cNvPr id="15" name="TextBox 14"/>
+              <a:rPr lang="en-US" b="1"/>
+              <a:t>Responder</a:t>
+            </a:r>
+            <a:endParaRPr lang="en-US" b="1" dirty="0"/>
+          </a:p>
+        </p:txBody>
+      </p:sp>
+      <p:sp>
+        <p:nvSpPr>
+          <p:cNvPr id="16" name="TextBox 15"/>
           <p:cNvSpPr txBox="1"/>
           <p:nvPr/>
         </p:nvSpPr>
         <p:spPr>
           <a:xfrm>
-            <a:off x="2221584" y="2051556"/>
-            <a:ext cx="956416" cy="369332"/>
+            <a:off x="1782681" y="3131676"/>
+            <a:ext cx="845103" cy="369332"/>
           </a:xfrm>
           <a:prstGeom prst="rect">
             <a:avLst/>
@@ -8170,90 +8508,25 @@
           <a:lstStyle/>
           <a:p>
             <a:r>
-              <a:rPr lang="en-US" b="1" dirty="0" smtClean="0"/>
-              <a:t>Initiator</a:t>
-            </a:r>
-            <a:endParaRPr lang="en-US" b="1" dirty="0"/>
-          </a:p>
-        </p:txBody>
-      </p:sp>
-      <p:sp>
-        <p:nvSpPr>
-          <p:cNvPr id="16" name="TextBox 15"/>
-          <p:cNvSpPr txBox="1"/>
-          <p:nvPr/>
-        </p:nvSpPr>
-        <p:spPr>
-          <a:xfrm>
-            <a:off x="5407667" y="2051556"/>
-            <a:ext cx="1208985" cy="369332"/>
-          </a:xfrm>
-          <a:prstGeom prst="rect">
-            <a:avLst/>
-          </a:prstGeom>
-          <a:noFill/>
-        </p:spPr>
-        <p:txBody>
-          <a:bodyPr wrap="none" rtlCol="0">
-            <a:spAutoFit/>
-          </a:bodyPr>
-          <a:lstStyle/>
-          <a:p>
-            <a:r>
-              <a:rPr lang="en-US" b="1" smtClean="0"/>
-              <a:t>Responder</a:t>
-            </a:r>
-            <a:endParaRPr lang="en-US" b="1" dirty="0"/>
-          </a:p>
-        </p:txBody>
-      </p:sp>
-      <p:sp>
-        <p:nvSpPr>
-          <p:cNvPr id="17" name="TextBox 16"/>
-          <p:cNvSpPr txBox="1"/>
-          <p:nvPr/>
-        </p:nvSpPr>
-        <p:spPr>
-          <a:xfrm>
-            <a:off x="1782681" y="3337549"/>
-            <a:ext cx="845103" cy="369332"/>
-          </a:xfrm>
-          <a:prstGeom prst="rect">
-            <a:avLst/>
-          </a:prstGeom>
-          <a:noFill/>
-        </p:spPr>
-        <p:txBody>
-          <a:bodyPr wrap="none" rtlCol="0">
-            <a:spAutoFit/>
-          </a:bodyPr>
-          <a:lstStyle/>
-          <a:p>
-            <a:r>
-              <a:rPr lang="en-US" i="1" dirty="0" smtClean="0">
+              <a:rPr lang="en-US" i="1" dirty="0">
                 <a:latin typeface="Times New Roman" charset="0"/>
                 <a:ea typeface="Times New Roman" charset="0"/>
                 <a:cs typeface="Times New Roman" charset="0"/>
               </a:rPr>
               <a:t>Sender</a:t>
             </a:r>
-            <a:endParaRPr lang="en-US" i="1" dirty="0">
-              <a:latin typeface="Times New Roman" charset="0"/>
-              <a:ea typeface="Times New Roman" charset="0"/>
-              <a:cs typeface="Times New Roman" charset="0"/>
-            </a:endParaRPr>
-          </a:p>
-        </p:txBody>
-      </p:sp>
-      <p:sp>
-        <p:nvSpPr>
-          <p:cNvPr id="18" name="TextBox 17"/>
+          </a:p>
+        </p:txBody>
+      </p:sp>
+      <p:sp>
+        <p:nvSpPr>
+          <p:cNvPr id="17" name="TextBox 16"/>
           <p:cNvSpPr txBox="1"/>
           <p:nvPr/>
         </p:nvSpPr>
         <p:spPr>
           <a:xfrm>
-            <a:off x="6136085" y="3337549"/>
+            <a:off x="6136085" y="3131676"/>
             <a:ext cx="992579" cy="369332"/>
           </a:xfrm>
           <a:prstGeom prst="rect">
@@ -8268,30 +8541,25 @@
           <a:lstStyle/>
           <a:p>
             <a:r>
-              <a:rPr lang="en-US" i="1" dirty="0" smtClean="0">
+              <a:rPr lang="en-US" i="1" dirty="0">
                 <a:latin typeface="Times New Roman" charset="0"/>
                 <a:ea typeface="Times New Roman" charset="0"/>
                 <a:cs typeface="Times New Roman" charset="0"/>
               </a:rPr>
               <a:t>Receiver</a:t>
             </a:r>
-            <a:endParaRPr lang="en-US" i="1" dirty="0">
-              <a:latin typeface="Times New Roman" charset="0"/>
-              <a:ea typeface="Times New Roman" charset="0"/>
-              <a:cs typeface="Times New Roman" charset="0"/>
-            </a:endParaRPr>
-          </a:p>
-        </p:txBody>
-      </p:sp>
-      <p:sp>
-        <p:nvSpPr>
-          <p:cNvPr id="19" name="TextBox 18"/>
+          </a:p>
+        </p:txBody>
+      </p:sp>
+      <p:sp>
+        <p:nvSpPr>
+          <p:cNvPr id="18" name="TextBox 17"/>
           <p:cNvSpPr txBox="1"/>
           <p:nvPr/>
         </p:nvSpPr>
         <p:spPr>
           <a:xfrm>
-            <a:off x="1635206" y="4531186"/>
+            <a:off x="1635205" y="3573016"/>
             <a:ext cx="992579" cy="369332"/>
           </a:xfrm>
           <a:prstGeom prst="rect">
@@ -8306,30 +8574,25 @@
           <a:lstStyle/>
           <a:p>
             <a:r>
-              <a:rPr lang="en-US" i="1" dirty="0" smtClean="0">
+              <a:rPr lang="en-US" i="1" dirty="0">
                 <a:latin typeface="Times New Roman" charset="0"/>
                 <a:ea typeface="Times New Roman" charset="0"/>
                 <a:cs typeface="Times New Roman" charset="0"/>
               </a:rPr>
               <a:t>Receiver</a:t>
             </a:r>
-            <a:endParaRPr lang="en-US" i="1" dirty="0">
-              <a:latin typeface="Times New Roman" charset="0"/>
-              <a:ea typeface="Times New Roman" charset="0"/>
-              <a:cs typeface="Times New Roman" charset="0"/>
-            </a:endParaRPr>
-          </a:p>
-        </p:txBody>
-      </p:sp>
-      <p:sp>
-        <p:nvSpPr>
-          <p:cNvPr id="20" name="TextBox 19"/>
+          </a:p>
+        </p:txBody>
+      </p:sp>
+      <p:sp>
+        <p:nvSpPr>
+          <p:cNvPr id="19" name="TextBox 18"/>
           <p:cNvSpPr txBox="1"/>
           <p:nvPr/>
         </p:nvSpPr>
         <p:spPr>
           <a:xfrm>
-            <a:off x="6136085" y="4531186"/>
+            <a:off x="6136084" y="3573016"/>
             <a:ext cx="825867" cy="369332"/>
           </a:xfrm>
           <a:prstGeom prst="rect">
@@ -8344,18 +8607,13 @@
           <a:lstStyle/>
           <a:p>
             <a:r>
-              <a:rPr lang="en-US" i="1" dirty="0" smtClean="0">
+              <a:rPr lang="en-US" i="1" dirty="0">
                 <a:latin typeface="Times New Roman" charset="0"/>
                 <a:ea typeface="Times New Roman" charset="0"/>
                 <a:cs typeface="Times New Roman" charset="0"/>
               </a:rPr>
               <a:t>Sender</a:t>
             </a:r>
-            <a:endParaRPr lang="en-US" i="1" dirty="0">
-              <a:latin typeface="Times New Roman" charset="0"/>
-              <a:ea typeface="Times New Roman" charset="0"/>
-              <a:cs typeface="Times New Roman" charset="0"/>
-            </a:endParaRPr>
           </a:p>
         </p:txBody>
       </p:sp>
@@ -8400,10 +8658,9 @@
           <a:lstStyle/>
           <a:p>
             <a:r>
-              <a:rPr lang="en-GB" dirty="0" smtClean="0"/>
-              <a:t>Message Exchange – push-pull</a:t>
-            </a:r>
-            <a:endParaRPr lang="en-GB" dirty="0"/>
+              <a:rPr lang="en-GB" dirty="0"/>
+              <a:t>Message Exchange – push-push</a:t>
+            </a:r>
           </a:p>
         </p:txBody>
       </p:sp>
@@ -8444,18 +8701,13 @@
           <a:p>
             <a:pPr algn="ctr"/>
             <a:r>
-              <a:rPr lang="en-GB" dirty="0" smtClean="0">
+              <a:rPr lang="en-GB" dirty="0">
                 <a:solidFill>
                   <a:prstClr val="white"/>
                 </a:solidFill>
               </a:rPr>
               <a:t>C2</a:t>
             </a:r>
-            <a:endParaRPr lang="en-GB" dirty="0">
-              <a:solidFill>
-                <a:prstClr val="white"/>
-              </a:solidFill>
-            </a:endParaRPr>
           </a:p>
         </p:txBody>
       </p:sp>
@@ -8496,18 +8748,13 @@
           <a:p>
             <a:pPr algn="ctr"/>
             <a:r>
-              <a:rPr lang="en-GB" dirty="0" smtClean="0">
+              <a:rPr lang="en-GB" dirty="0">
                 <a:solidFill>
                   <a:prstClr val="white"/>
                 </a:solidFill>
               </a:rPr>
               <a:t>C3</a:t>
             </a:r>
-            <a:endParaRPr lang="en-GB" dirty="0">
-              <a:solidFill>
-                <a:prstClr val="white"/>
-              </a:solidFill>
-            </a:endParaRPr>
           </a:p>
         </p:txBody>
       </p:sp>
@@ -8520,7 +8767,7 @@
         <p:spPr>
           <a:xfrm>
             <a:off x="6012160" y="2996952"/>
-            <a:ext cx="0" cy="2880320"/>
+            <a:ext cx="0" cy="2160240"/>
           </a:xfrm>
           <a:prstGeom prst="line">
             <a:avLst/>
@@ -8597,18 +8844,13 @@
           <a:lstStyle/>
           <a:p>
             <a:r>
-              <a:rPr lang="en-GB" dirty="0" smtClean="0">
+              <a:rPr lang="en-GB" dirty="0">
                 <a:solidFill>
                   <a:prstClr val="black"/>
                 </a:solidFill>
               </a:rPr>
               <a:t>User Message</a:t>
             </a:r>
-            <a:endParaRPr lang="en-GB" dirty="0">
-              <a:solidFill>
-                <a:prstClr val="black"/>
-              </a:solidFill>
-            </a:endParaRPr>
           </a:p>
         </p:txBody>
       </p:sp>
@@ -8669,18 +8911,13 @@
           <a:lstStyle/>
           <a:p>
             <a:r>
-              <a:rPr lang="en-GB" dirty="0" smtClean="0">
+              <a:rPr lang="en-GB" dirty="0">
                 <a:solidFill>
                   <a:prstClr val="black"/>
                 </a:solidFill>
               </a:rPr>
               <a:t>Signal Message</a:t>
             </a:r>
-            <a:endParaRPr lang="en-GB" dirty="0">
-              <a:solidFill>
-                <a:prstClr val="black"/>
-              </a:solidFill>
-            </a:endParaRPr>
           </a:p>
         </p:txBody>
       </p:sp>
@@ -8693,7 +8930,7 @@
         <p:spPr>
           <a:xfrm>
             <a:off x="2699792" y="2996952"/>
-            <a:ext cx="0" cy="2808312"/>
+            <a:ext cx="0" cy="2160240"/>
           </a:xfrm>
           <a:prstGeom prst="line">
             <a:avLst/>
@@ -8721,7 +8958,7 @@
           <p:nvPr/>
         </p:nvCxnSpPr>
         <p:spPr>
-          <a:xfrm flipH="1">
+          <a:xfrm>
             <a:off x="2699792" y="4499828"/>
             <a:ext cx="3312368" cy="0"/>
           </a:xfrm>
@@ -8756,8 +8993,8 @@
         </p:nvSpPr>
         <p:spPr>
           <a:xfrm>
-            <a:off x="3700079" y="4211796"/>
-            <a:ext cx="1343445" cy="369332"/>
+            <a:off x="3624000" y="4211796"/>
+            <a:ext cx="1495602" cy="369332"/>
           </a:xfrm>
           <a:prstGeom prst="rect">
             <a:avLst/>
@@ -8771,18 +9008,13 @@
           <a:lstStyle/>
           <a:p>
             <a:r>
-              <a:rPr lang="en-GB" dirty="0" smtClean="0">
+              <a:rPr lang="en-GB" dirty="0">
                 <a:solidFill>
                   <a:prstClr val="black"/>
                 </a:solidFill>
               </a:rPr>
-              <a:t>Pull Request</a:t>
-            </a:r>
-            <a:endParaRPr lang="en-GB" dirty="0">
-              <a:solidFill>
-                <a:prstClr val="black"/>
-              </a:solidFill>
-            </a:endParaRPr>
+              <a:t>User Message</a:t>
+            </a:r>
           </a:p>
         </p:txBody>
       </p:sp>
@@ -8793,7 +9025,7 @@
           <p:nvPr/>
         </p:nvCxnSpPr>
         <p:spPr>
-          <a:xfrm>
+          <a:xfrm flipH="1">
             <a:off x="2699792" y="4931876"/>
             <a:ext cx="3312368" cy="0"/>
           </a:xfrm>
@@ -8829,8 +9061,8 @@
         </p:nvSpPr>
         <p:spPr>
           <a:xfrm>
-            <a:off x="3624000" y="4643844"/>
-            <a:ext cx="1495602" cy="369332"/>
+            <a:off x="3563888" y="4643844"/>
+            <a:ext cx="1615827" cy="369332"/>
           </a:xfrm>
           <a:prstGeom prst="rect">
             <a:avLst/>
@@ -8844,95 +9076,19 @@
           <a:lstStyle/>
           <a:p>
             <a:r>
-              <a:rPr lang="en-GB" dirty="0" smtClean="0">
-                <a:solidFill>
-                  <a:prstClr val="black"/>
-                </a:solidFill>
-              </a:rPr>
-              <a:t>User Message</a:t>
-            </a:r>
-            <a:endParaRPr lang="en-GB" dirty="0">
-              <a:solidFill>
-                <a:prstClr val="black"/>
-              </a:solidFill>
-            </a:endParaRPr>
-          </a:p>
-        </p:txBody>
-      </p:sp>
-      <p:cxnSp>
-        <p:nvCxnSpPr>
-          <p:cNvPr id="19" name="Gerade Verbindung mit Pfeil 5"/>
-          <p:cNvCxnSpPr/>
-          <p:nvPr/>
-        </p:nvCxnSpPr>
-        <p:spPr>
-          <a:xfrm>
-            <a:off x="2699792" y="5338847"/>
-            <a:ext cx="3312368" cy="0"/>
-          </a:xfrm>
-          <a:prstGeom prst="straightConnector1">
-            <a:avLst/>
-          </a:prstGeom>
-          <a:ln>
-            <a:tailEnd type="arrow"/>
-          </a:ln>
-        </p:spPr>
-        <p:style>
-          <a:lnRef idx="1">
-            <a:schemeClr val="accent1"/>
-          </a:lnRef>
-          <a:fillRef idx="0">
-            <a:schemeClr val="accent1"/>
-          </a:fillRef>
-          <a:effectRef idx="0">
-            <a:schemeClr val="accent1"/>
-          </a:effectRef>
-          <a:fontRef idx="minor">
-            <a:schemeClr val="tx1"/>
-          </a:fontRef>
-        </p:style>
-      </p:cxnSp>
-      <p:sp>
-        <p:nvSpPr>
-          <p:cNvPr id="20" name="Textfeld 6"/>
-          <p:cNvSpPr txBox="1"/>
-          <p:nvPr/>
-        </p:nvSpPr>
-        <p:spPr>
-          <a:xfrm>
-            <a:off x="3624000" y="5050815"/>
-            <a:ext cx="1615892" cy="369332"/>
-          </a:xfrm>
-          <a:prstGeom prst="rect">
-            <a:avLst/>
-          </a:prstGeom>
-          <a:noFill/>
-        </p:spPr>
-        <p:txBody>
-          <a:bodyPr wrap="none" rtlCol="0">
-            <a:spAutoFit/>
-          </a:bodyPr>
-          <a:lstStyle/>
-          <a:p>
-            <a:r>
-              <a:rPr lang="en-GB" dirty="0" smtClean="0">
+              <a:rPr lang="en-GB" dirty="0">
                 <a:solidFill>
                   <a:prstClr val="black"/>
                 </a:solidFill>
               </a:rPr>
               <a:t>Signal Message</a:t>
             </a:r>
-            <a:endParaRPr lang="en-GB" dirty="0">
-              <a:solidFill>
-                <a:prstClr val="black"/>
-              </a:solidFill>
-            </a:endParaRPr>
-          </a:p>
-        </p:txBody>
-      </p:sp>
-      <p:sp>
-        <p:nvSpPr>
-          <p:cNvPr id="25" name="TextBox 24"/>
+          </a:p>
+        </p:txBody>
+      </p:sp>
+      <p:sp>
+        <p:nvSpPr>
+          <p:cNvPr id="15" name="TextBox 14"/>
           <p:cNvSpPr txBox="1"/>
           <p:nvPr/>
         </p:nvSpPr>
@@ -8953,16 +9109,15 @@
           <a:lstStyle/>
           <a:p>
             <a:r>
-              <a:rPr lang="en-US" b="1" dirty="0" smtClean="0"/>
+              <a:rPr lang="en-US" b="1" dirty="0"/>
               <a:t>Initiator</a:t>
             </a:r>
-            <a:endParaRPr lang="en-US" b="1" dirty="0"/>
-          </a:p>
-        </p:txBody>
-      </p:sp>
-      <p:sp>
-        <p:nvSpPr>
-          <p:cNvPr id="26" name="TextBox 25"/>
+          </a:p>
+        </p:txBody>
+      </p:sp>
+      <p:sp>
+        <p:nvSpPr>
+          <p:cNvPr id="16" name="TextBox 15"/>
           <p:cNvSpPr txBox="1"/>
           <p:nvPr/>
         </p:nvSpPr>
@@ -8983,7 +9138,7 @@
           <a:lstStyle/>
           <a:p>
             <a:r>
-              <a:rPr lang="en-US" b="1" smtClean="0"/>
+              <a:rPr lang="en-US" b="1"/>
               <a:t>Responder</a:t>
             </a:r>
             <a:endParaRPr lang="en-US" b="1" dirty="0"/>
@@ -8992,13 +9147,13 @@
       </p:sp>
       <p:sp>
         <p:nvSpPr>
-          <p:cNvPr id="27" name="TextBox 26"/>
+          <p:cNvPr id="17" name="TextBox 16"/>
           <p:cNvSpPr txBox="1"/>
           <p:nvPr/>
         </p:nvSpPr>
         <p:spPr>
           <a:xfrm>
-            <a:off x="1782681" y="3368780"/>
+            <a:off x="1782681" y="3337549"/>
             <a:ext cx="845103" cy="369332"/>
           </a:xfrm>
           <a:prstGeom prst="rect">
@@ -9013,30 +9168,25 @@
           <a:lstStyle/>
           <a:p>
             <a:r>
-              <a:rPr lang="en-US" i="1" dirty="0" smtClean="0">
+              <a:rPr lang="en-US" i="1" dirty="0">
                 <a:latin typeface="Times New Roman" charset="0"/>
                 <a:ea typeface="Times New Roman" charset="0"/>
                 <a:cs typeface="Times New Roman" charset="0"/>
               </a:rPr>
               <a:t>Sender</a:t>
             </a:r>
-            <a:endParaRPr lang="en-US" i="1" dirty="0">
-              <a:latin typeface="Times New Roman" charset="0"/>
-              <a:ea typeface="Times New Roman" charset="0"/>
-              <a:cs typeface="Times New Roman" charset="0"/>
-            </a:endParaRPr>
-          </a:p>
-        </p:txBody>
-      </p:sp>
-      <p:sp>
-        <p:nvSpPr>
-          <p:cNvPr id="28" name="TextBox 27"/>
+          </a:p>
+        </p:txBody>
+      </p:sp>
+      <p:sp>
+        <p:nvSpPr>
+          <p:cNvPr id="18" name="TextBox 17"/>
           <p:cNvSpPr txBox="1"/>
           <p:nvPr/>
         </p:nvSpPr>
         <p:spPr>
           <a:xfrm>
-            <a:off x="6136085" y="3368780"/>
+            <a:off x="6136085" y="3337549"/>
             <a:ext cx="992579" cy="369332"/>
           </a:xfrm>
           <a:prstGeom prst="rect">
@@ -9051,30 +9201,25 @@
           <a:lstStyle/>
           <a:p>
             <a:r>
-              <a:rPr lang="en-US" i="1" dirty="0" smtClean="0">
+              <a:rPr lang="en-US" i="1" dirty="0">
                 <a:latin typeface="Times New Roman" charset="0"/>
                 <a:ea typeface="Times New Roman" charset="0"/>
                 <a:cs typeface="Times New Roman" charset="0"/>
               </a:rPr>
               <a:t>Receiver</a:t>
             </a:r>
-            <a:endParaRPr lang="en-US" i="1" dirty="0">
-              <a:latin typeface="Times New Roman" charset="0"/>
-              <a:ea typeface="Times New Roman" charset="0"/>
-              <a:cs typeface="Times New Roman" charset="0"/>
-            </a:endParaRPr>
-          </a:p>
-        </p:txBody>
-      </p:sp>
-      <p:sp>
-        <p:nvSpPr>
-          <p:cNvPr id="29" name="TextBox 28"/>
+          </a:p>
+        </p:txBody>
+      </p:sp>
+      <p:sp>
+        <p:nvSpPr>
+          <p:cNvPr id="19" name="TextBox 18"/>
           <p:cNvSpPr txBox="1"/>
           <p:nvPr/>
         </p:nvSpPr>
         <p:spPr>
           <a:xfrm>
-            <a:off x="1635205" y="4825499"/>
+            <a:off x="1635206" y="4531186"/>
             <a:ext cx="992579" cy="369332"/>
           </a:xfrm>
           <a:prstGeom prst="rect">
@@ -9089,30 +9234,25 @@
           <a:lstStyle/>
           <a:p>
             <a:r>
-              <a:rPr lang="en-US" i="1" dirty="0" smtClean="0">
+              <a:rPr lang="en-US" i="1" dirty="0">
                 <a:latin typeface="Times New Roman" charset="0"/>
                 <a:ea typeface="Times New Roman" charset="0"/>
                 <a:cs typeface="Times New Roman" charset="0"/>
               </a:rPr>
               <a:t>Receiver</a:t>
             </a:r>
-            <a:endParaRPr lang="en-US" i="1" dirty="0">
-              <a:latin typeface="Times New Roman" charset="0"/>
-              <a:ea typeface="Times New Roman" charset="0"/>
-              <a:cs typeface="Times New Roman" charset="0"/>
-            </a:endParaRPr>
-          </a:p>
-        </p:txBody>
-      </p:sp>
-      <p:sp>
-        <p:nvSpPr>
-          <p:cNvPr id="30" name="TextBox 29"/>
+          </a:p>
+        </p:txBody>
+      </p:sp>
+      <p:sp>
+        <p:nvSpPr>
+          <p:cNvPr id="20" name="TextBox 19"/>
           <p:cNvSpPr txBox="1"/>
           <p:nvPr/>
         </p:nvSpPr>
         <p:spPr>
           <a:xfrm>
-            <a:off x="6136084" y="4825499"/>
+            <a:off x="6136085" y="4531186"/>
             <a:ext cx="825867" cy="369332"/>
           </a:xfrm>
           <a:prstGeom prst="rect">
@@ -9127,18 +9267,13 @@
           <a:lstStyle/>
           <a:p>
             <a:r>
-              <a:rPr lang="en-US" i="1" dirty="0" smtClean="0">
+              <a:rPr lang="en-US" i="1" dirty="0">
                 <a:latin typeface="Times New Roman" charset="0"/>
                 <a:ea typeface="Times New Roman" charset="0"/>
                 <a:cs typeface="Times New Roman" charset="0"/>
               </a:rPr>
               <a:t>Sender</a:t>
             </a:r>
-            <a:endParaRPr lang="en-US" i="1" dirty="0">
-              <a:latin typeface="Times New Roman" charset="0"/>
-              <a:ea typeface="Times New Roman" charset="0"/>
-              <a:cs typeface="Times New Roman" charset="0"/>
-            </a:endParaRPr>
           </a:p>
         </p:txBody>
       </p:sp>
